--- a/writeup/figures/inference_diagram.pptx
+++ b/writeup/figures/inference_diagram.pptx
@@ -3103,7 +3103,7 @@
         </p:nvGrpSpPr>
         <p:grpSpPr>
           <a:xfrm>
-            <a:off x="960252" y="741089"/>
+            <a:off x="960252" y="510185"/>
             <a:ext cx="1685756" cy="1367051"/>
             <a:chOff x="5517284" y="4053578"/>
             <a:chExt cx="2468116" cy="2001497"/>
@@ -3118,7 +3118,7 @@
             <p:nvPr>
               <p:extLst>
                 <p:ext uri="{D42A27DB-BD31-4B8C-83A1-F6EECF244321}">
-                  <p14:modId xmlns:p14="http://schemas.microsoft.com/office/powerpoint/2010/main" val="3115087109"/>
+                  <p14:modId xmlns:p14="http://schemas.microsoft.com/office/powerpoint/2010/main" val="317707276"/>
                 </p:ext>
               </p:extLst>
             </p:nvPr>
@@ -3146,13 +3146,13 @@
                       <a:p>
                         <a:pPr algn="ctr"/>
                         <a:r>
-                          <a:rPr lang="en-US" sz="1400" b="0" strike="noStrike" cap="none" dirty="0" smtClean="0">
+                          <a:rPr lang="en-US" sz="1200" b="0" strike="noStrike" cap="none" dirty="0" smtClean="0">
                             <a:latin typeface="News Gothic MT"/>
                             <a:cs typeface="News Gothic MT"/>
                           </a:rPr>
                           <a:t>pig</a:t>
                         </a:r>
-                        <a:endParaRPr lang="en-US" sz="1400" b="0" strike="noStrike" cap="none" dirty="0">
+                        <a:endParaRPr lang="en-US" sz="1200" b="0" strike="noStrike" cap="none" dirty="0">
                           <a:solidFill>
                             <a:schemeClr val="tx1"/>
                           </a:solidFill>
@@ -3162,6 +3162,60 @@
                       </a:p>
                     </a:txBody>
                     <a:tcPr marL="41052" marR="41052" marT="20526" marB="20526" anchor="ctr" anchorCtr="1">
+                      <a:lnL w="12700" cap="flat" cmpd="sng" algn="ctr">
+                        <a:noFill/>
+                        <a:prstDash val="solid"/>
+                        <a:round/>
+                        <a:headEnd type="none" w="med" len="med"/>
+                        <a:tailEnd type="none" w="med" len="med"/>
+                      </a:lnL>
+                      <a:lnR w="12700" cap="flat" cmpd="sng" algn="ctr">
+                        <a:noFill/>
+                        <a:prstDash val="solid"/>
+                        <a:round/>
+                        <a:headEnd type="none" w="med" len="med"/>
+                        <a:tailEnd type="none" w="med" len="med"/>
+                      </a:lnR>
+                      <a:lnT w="12700" cap="flat" cmpd="sng" algn="ctr">
+                        <a:noFill/>
+                        <a:prstDash val="solid"/>
+                        <a:round/>
+                        <a:headEnd type="none" w="med" len="med"/>
+                        <a:tailEnd type="none" w="med" len="med"/>
+                      </a:lnT>
+                      <a:lnB w="12700" cap="flat" cmpd="sng" algn="ctr">
+                        <a:noFill/>
+                        <a:prstDash val="solid"/>
+                        <a:round/>
+                        <a:headEnd type="none" w="med" len="med"/>
+                        <a:tailEnd type="none" w="med" len="med"/>
+                      </a:lnB>
+                      <a:lnTlToBr w="12700" cmpd="sng">
+                        <a:noFill/>
+                        <a:prstDash val="solid"/>
+                      </a:lnTlToBr>
+                      <a:lnBlToTr w="12700" cmpd="sng">
+                        <a:noFill/>
+                        <a:prstDash val="solid"/>
+                      </a:lnBlToTr>
+                    </a:tcPr>
+                  </a:tc>
+                  <a:tc>
+                    <a:txBody>
+                      <a:bodyPr/>
+                      <a:lstStyle/>
+                      <a:p>
+                        <a:pPr algn="ctr" fontAlgn="t"/>
+                        <a:endParaRPr lang="en-US" sz="1200" b="0" i="0" u="none" strike="noStrike" cap="none" dirty="0">
+                          <a:solidFill>
+                            <a:schemeClr val="tx1"/>
+                          </a:solidFill>
+                          <a:latin typeface="News Gothic MT"/>
+                          <a:cs typeface="News Gothic MT"/>
+                        </a:endParaRPr>
+                      </a:p>
+                    </a:txBody>
+                    <a:tcPr marL="4276" marR="4276" marT="4276" marB="0" anchor="ctr" anchorCtr="1">
                       <a:lnL w="12700" cap="flat" cmpd="sng" algn="ctr">
                         <a:noFill/>
                         <a:prstDash val="solid"/>
@@ -3202,66 +3256,14 @@
                       <a:lstStyle/>
                       <a:p>
                         <a:pPr algn="ctr" fontAlgn="t"/>
-                        <a:endParaRPr lang="en-US" sz="1400" b="0" i="0" u="none" strike="noStrike" cap="none" dirty="0">
-                          <a:solidFill>
-                            <a:schemeClr val="tx1"/>
-                          </a:solidFill>
-                          <a:latin typeface="News Gothic MT"/>
-                          <a:cs typeface="News Gothic MT"/>
-                        </a:endParaRPr>
-                      </a:p>
-                    </a:txBody>
-                    <a:tcPr marL="4276" marR="4276" marT="4276" marB="0" anchor="ctr" anchorCtr="1">
-                      <a:lnL w="12700" cap="flat" cmpd="sng" algn="ctr">
-                        <a:solidFill>
-                          <a:scrgbClr r="0" g="0" b="0"/>
-                        </a:solidFill>
-                        <a:prstDash val="solid"/>
-                        <a:round/>
-                        <a:headEnd type="none" w="med" len="med"/>
-                        <a:tailEnd type="none" w="med" len="med"/>
-                      </a:lnL>
-                      <a:lnR w="12700" cap="flat" cmpd="sng" algn="ctr">
-                        <a:solidFill>
-                          <a:scrgbClr r="0" g="0" b="0"/>
-                        </a:solidFill>
-                        <a:prstDash val="solid"/>
-                        <a:round/>
-                        <a:headEnd type="none" w="med" len="med"/>
-                        <a:tailEnd type="none" w="med" len="med"/>
-                      </a:lnR>
-                      <a:lnT w="12700" cap="flat" cmpd="sng" algn="ctr">
-                        <a:noFill/>
-                        <a:prstDash val="solid"/>
-                        <a:round/>
-                        <a:headEnd type="none" w="med" len="med"/>
-                        <a:tailEnd type="none" w="med" len="med"/>
-                      </a:lnT>
-                      <a:lnB w="12700" cap="flat" cmpd="sng" algn="ctr">
-                        <a:solidFill>
-                          <a:scrgbClr r="0" g="0" b="0"/>
-                        </a:solidFill>
-                        <a:prstDash val="solid"/>
-                        <a:round/>
-                        <a:headEnd type="none" w="med" len="med"/>
-                        <a:tailEnd type="none" w="med" len="med"/>
-                      </a:lnB>
-                    </a:tcPr>
-                  </a:tc>
-                  <a:tc>
-                    <a:txBody>
-                      <a:bodyPr/>
-                      <a:lstStyle/>
-                      <a:p>
-                        <a:pPr algn="ctr" fontAlgn="t"/>
                         <a:r>
-                          <a:rPr lang="en-US" sz="1400" b="0" u="none" strike="noStrike" cap="none" dirty="0">
+                          <a:rPr lang="en-US" sz="1200" b="0" u="none" strike="noStrike" cap="none" dirty="0">
                             <a:latin typeface="News Gothic MT"/>
                             <a:cs typeface="News Gothic MT"/>
                           </a:rPr>
                           <a:t> </a:t>
                         </a:r>
-                        <a:endParaRPr lang="en-US" sz="1400" b="0" i="0" u="none" strike="noStrike" cap="none" dirty="0">
+                        <a:endParaRPr lang="en-US" sz="1200" b="0" i="0" u="none" strike="noStrike" cap="none" dirty="0">
                           <a:solidFill>
                             <a:schemeClr val="tx1"/>
                           </a:solidFill>
@@ -3314,13 +3316,13 @@
                       <a:p>
                         <a:pPr algn="ctr"/>
                         <a:r>
-                          <a:rPr lang="en-US" sz="1400" b="0" strike="noStrike" cap="none" dirty="0" smtClean="0">
+                          <a:rPr lang="en-US" sz="1200" b="0" strike="noStrike" cap="none" dirty="0" smtClean="0">
                             <a:latin typeface="News Gothic MT"/>
                             <a:cs typeface="News Gothic MT"/>
                           </a:rPr>
                           <a:t>dog</a:t>
                         </a:r>
-                        <a:endParaRPr lang="en-US" sz="1400" b="0" strike="noStrike" cap="none" dirty="0">
+                        <a:endParaRPr lang="en-US" sz="1200" b="0" strike="noStrike" cap="none" dirty="0">
                           <a:solidFill>
                             <a:schemeClr val="tx1"/>
                           </a:solidFill>
@@ -3330,6 +3332,70 @@
                       </a:p>
                     </a:txBody>
                     <a:tcPr marL="41052" marR="41052" marT="20526" marB="20526" anchor="ctr" anchorCtr="1">
+                      <a:lnL w="12700" cap="flat" cmpd="sng" algn="ctr">
+                        <a:noFill/>
+                        <a:prstDash val="solid"/>
+                        <a:round/>
+                        <a:headEnd type="none" w="med" len="med"/>
+                        <a:tailEnd type="none" w="med" len="med"/>
+                      </a:lnL>
+                      <a:lnR w="12700" cap="flat" cmpd="sng" algn="ctr">
+                        <a:noFill/>
+                        <a:prstDash val="solid"/>
+                        <a:round/>
+                        <a:headEnd type="none" w="med" len="med"/>
+                        <a:tailEnd type="none" w="med" len="med"/>
+                      </a:lnR>
+                      <a:lnT w="12700" cap="flat" cmpd="sng" algn="ctr">
+                        <a:noFill/>
+                        <a:prstDash val="solid"/>
+                        <a:round/>
+                        <a:headEnd type="none" w="med" len="med"/>
+                        <a:tailEnd type="none" w="med" len="med"/>
+                      </a:lnT>
+                      <a:lnB w="12700" cap="flat" cmpd="sng" algn="ctr">
+                        <a:noFill/>
+                        <a:prstDash val="solid"/>
+                        <a:round/>
+                        <a:headEnd type="none" w="med" len="med"/>
+                        <a:tailEnd type="none" w="med" len="med"/>
+                      </a:lnB>
+                      <a:lnTlToBr w="12700" cmpd="sng">
+                        <a:noFill/>
+                        <a:prstDash val="solid"/>
+                      </a:lnTlToBr>
+                      <a:lnBlToTr w="12700" cmpd="sng">
+                        <a:noFill/>
+                        <a:prstDash val="solid"/>
+                      </a:lnBlToTr>
+                    </a:tcPr>
+                  </a:tc>
+                  <a:tc>
+                    <a:txBody>
+                      <a:bodyPr/>
+                      <a:lstStyle/>
+                      <a:p>
+                        <a:pPr algn="ctr" rtl="0" fontAlgn="t"/>
+                        <a:r>
+                          <a:rPr lang="en-US" sz="1200" b="0" i="0" u="none" strike="noStrike" cap="none" dirty="0" smtClean="0">
+                            <a:solidFill>
+                              <a:schemeClr val="tx1"/>
+                            </a:solidFill>
+                            <a:latin typeface="News Gothic MT"/>
+                            <a:cs typeface="News Gothic MT"/>
+                          </a:rPr>
+                          <a:t>1</a:t>
+                        </a:r>
+                        <a:endParaRPr lang="en-US" sz="1200" b="0" i="0" u="none" strike="noStrike" cap="none" dirty="0">
+                          <a:solidFill>
+                            <a:schemeClr val="tx1"/>
+                          </a:solidFill>
+                          <a:latin typeface="News Gothic MT"/>
+                          <a:cs typeface="News Gothic MT"/>
+                        </a:endParaRPr>
+                      </a:p>
+                    </a:txBody>
+                    <a:tcPr marL="4276" marR="4276" marT="4276" marB="0" anchor="ctr" anchorCtr="1">
                       <a:lnL w="12700" cap="flat" cmpd="sng" algn="ctr">
                         <a:noFill/>
                         <a:prstDash val="solid"/>
@@ -3370,69 +3436,7 @@
                       <a:lstStyle/>
                       <a:p>
                         <a:pPr algn="ctr" rtl="0" fontAlgn="t"/>
-                        <a:r>
-                          <a:rPr lang="en-US" sz="1400" b="0" i="0" u="none" strike="noStrike" cap="none" dirty="0" smtClean="0">
-                            <a:solidFill>
-                              <a:schemeClr val="tx1"/>
-                            </a:solidFill>
-                            <a:latin typeface="News Gothic MT"/>
-                            <a:cs typeface="News Gothic MT"/>
-                          </a:rPr>
-                          <a:t>1</a:t>
-                        </a:r>
-                        <a:endParaRPr lang="en-US" sz="1400" b="0" i="0" u="none" strike="noStrike" cap="none" dirty="0">
-                          <a:solidFill>
-                            <a:schemeClr val="tx1"/>
-                          </a:solidFill>
-                          <a:latin typeface="News Gothic MT"/>
-                          <a:cs typeface="News Gothic MT"/>
-                        </a:endParaRPr>
-                      </a:p>
-                    </a:txBody>
-                    <a:tcPr marL="4276" marR="4276" marT="4276" marB="0" anchor="ctr" anchorCtr="1">
-                      <a:lnL w="12700" cap="flat" cmpd="sng" algn="ctr">
-                        <a:solidFill>
-                          <a:scrgbClr r="0" g="0" b="0"/>
-                        </a:solidFill>
-                        <a:prstDash val="solid"/>
-                        <a:round/>
-                        <a:headEnd type="none" w="med" len="med"/>
-                        <a:tailEnd type="none" w="med" len="med"/>
-                      </a:lnL>
-                      <a:lnR w="12700" cap="flat" cmpd="sng" algn="ctr">
-                        <a:solidFill>
-                          <a:scrgbClr r="0" g="0" b="0"/>
-                        </a:solidFill>
-                        <a:prstDash val="solid"/>
-                        <a:round/>
-                        <a:headEnd type="none" w="med" len="med"/>
-                        <a:tailEnd type="none" w="med" len="med"/>
-                      </a:lnR>
-                      <a:lnT w="12700" cap="flat" cmpd="sng" algn="ctr">
-                        <a:solidFill>
-                          <a:scrgbClr r="0" g="0" b="0"/>
-                        </a:solidFill>
-                        <a:prstDash val="solid"/>
-                        <a:round/>
-                        <a:headEnd type="none" w="med" len="med"/>
-                        <a:tailEnd type="none" w="med" len="med"/>
-                      </a:lnT>
-                      <a:lnB w="12700" cap="flat" cmpd="sng" algn="ctr">
-                        <a:noFill/>
-                        <a:prstDash val="solid"/>
-                        <a:round/>
-                        <a:headEnd type="none" w="med" len="med"/>
-                        <a:tailEnd type="none" w="med" len="med"/>
-                      </a:lnB>
-                    </a:tcPr>
-                  </a:tc>
-                  <a:tc>
-                    <a:txBody>
-                      <a:bodyPr/>
-                      <a:lstStyle/>
-                      <a:p>
-                        <a:pPr algn="ctr" rtl="0" fontAlgn="t"/>
-                        <a:endParaRPr lang="en-US" sz="1400" b="0" i="0" u="none" strike="noStrike" cap="none" dirty="0">
+                        <a:endParaRPr lang="en-US" sz="1200" b="0" i="0" u="none" strike="noStrike" cap="none" dirty="0">
                           <a:solidFill>
                             <a:schemeClr val="tx1"/>
                           </a:solidFill>
@@ -3501,6 +3505,7 @@
                   </a:srgbClr>
                 </a:clrTo>
               </a:clrChange>
+              <a:grayscl/>
             </a:blip>
             <a:stretch>
               <a:fillRect/>
@@ -3536,6 +3541,7 @@
                   </a:srgbClr>
                 </a:clrTo>
               </a:clrChange>
+              <a:grayscl/>
             </a:blip>
             <a:stretch>
               <a:fillRect/>
@@ -3567,7 +3573,7 @@
         </p:nvGrpSpPr>
         <p:grpSpPr>
           <a:xfrm>
-            <a:off x="3893732" y="741089"/>
+            <a:off x="3893732" y="510185"/>
             <a:ext cx="1685756" cy="1367051"/>
             <a:chOff x="5517284" y="4053578"/>
             <a:chExt cx="2468116" cy="2001497"/>
@@ -3582,7 +3588,7 @@
             <p:nvPr>
               <p:extLst>
                 <p:ext uri="{D42A27DB-BD31-4B8C-83A1-F6EECF244321}">
-                  <p14:modId xmlns:p14="http://schemas.microsoft.com/office/powerpoint/2010/main" val="661622496"/>
+                  <p14:modId xmlns:p14="http://schemas.microsoft.com/office/powerpoint/2010/main" val="1438823833"/>
                 </p:ext>
               </p:extLst>
             </p:nvPr>
@@ -3610,13 +3616,13 @@
                       <a:p>
                         <a:pPr algn="ctr"/>
                         <a:r>
-                          <a:rPr lang="en-US" sz="1400" b="0" strike="noStrike" cap="none" dirty="0" smtClean="0">
+                          <a:rPr lang="en-US" sz="1200" b="0" strike="noStrike" cap="none" dirty="0" smtClean="0">
                             <a:latin typeface="News Gothic MT"/>
                             <a:cs typeface="News Gothic MT"/>
                           </a:rPr>
                           <a:t>pig</a:t>
                         </a:r>
-                        <a:endParaRPr lang="en-US" sz="1400" b="0" strike="noStrike" cap="none" dirty="0">
+                        <a:endParaRPr lang="en-US" sz="1200" b="0" strike="noStrike" cap="none" dirty="0">
                           <a:solidFill>
                             <a:schemeClr val="tx1"/>
                           </a:solidFill>
@@ -3626,6 +3632,60 @@
                       </a:p>
                     </a:txBody>
                     <a:tcPr marL="41052" marR="41052" marT="20526" marB="20526" anchor="ctr" anchorCtr="1">
+                      <a:lnL w="12700" cap="flat" cmpd="sng" algn="ctr">
+                        <a:noFill/>
+                        <a:prstDash val="solid"/>
+                        <a:round/>
+                        <a:headEnd type="none" w="med" len="med"/>
+                        <a:tailEnd type="none" w="med" len="med"/>
+                      </a:lnL>
+                      <a:lnR w="12700" cap="flat" cmpd="sng" algn="ctr">
+                        <a:noFill/>
+                        <a:prstDash val="solid"/>
+                        <a:round/>
+                        <a:headEnd type="none" w="med" len="med"/>
+                        <a:tailEnd type="none" w="med" len="med"/>
+                      </a:lnR>
+                      <a:lnT w="12700" cap="flat" cmpd="sng" algn="ctr">
+                        <a:noFill/>
+                        <a:prstDash val="solid"/>
+                        <a:round/>
+                        <a:headEnd type="none" w="med" len="med"/>
+                        <a:tailEnd type="none" w="med" len="med"/>
+                      </a:lnT>
+                      <a:lnB w="12700" cap="flat" cmpd="sng" algn="ctr">
+                        <a:noFill/>
+                        <a:prstDash val="solid"/>
+                        <a:round/>
+                        <a:headEnd type="none" w="med" len="med"/>
+                        <a:tailEnd type="none" w="med" len="med"/>
+                      </a:lnB>
+                      <a:lnTlToBr w="12700" cmpd="sng">
+                        <a:noFill/>
+                        <a:prstDash val="solid"/>
+                      </a:lnTlToBr>
+                      <a:lnBlToTr w="12700" cmpd="sng">
+                        <a:noFill/>
+                        <a:prstDash val="solid"/>
+                      </a:lnBlToTr>
+                    </a:tcPr>
+                  </a:tc>
+                  <a:tc>
+                    <a:txBody>
+                      <a:bodyPr/>
+                      <a:lstStyle/>
+                      <a:p>
+                        <a:pPr algn="ctr" fontAlgn="t"/>
+                        <a:endParaRPr lang="en-US" sz="1200" b="0" i="0" u="none" strike="noStrike" cap="none" dirty="0">
+                          <a:solidFill>
+                            <a:schemeClr val="tx1"/>
+                          </a:solidFill>
+                          <a:latin typeface="News Gothic MT"/>
+                          <a:cs typeface="News Gothic MT"/>
+                        </a:endParaRPr>
+                      </a:p>
+                    </a:txBody>
+                    <a:tcPr marL="4276" marR="4276" marT="4276" marB="0" anchor="ctr" anchorCtr="1">
                       <a:lnL w="12700" cap="flat" cmpd="sng" algn="ctr">
                         <a:noFill/>
                         <a:prstDash val="solid"/>
@@ -3666,66 +3726,14 @@
                       <a:lstStyle/>
                       <a:p>
                         <a:pPr algn="ctr" fontAlgn="t"/>
-                        <a:endParaRPr lang="en-US" sz="1400" b="0" i="0" u="none" strike="noStrike" cap="none" dirty="0">
-                          <a:solidFill>
-                            <a:schemeClr val="tx1"/>
-                          </a:solidFill>
-                          <a:latin typeface="News Gothic MT"/>
-                          <a:cs typeface="News Gothic MT"/>
-                        </a:endParaRPr>
-                      </a:p>
-                    </a:txBody>
-                    <a:tcPr marL="4276" marR="4276" marT="4276" marB="0" anchor="ctr" anchorCtr="1">
-                      <a:lnL w="12700" cap="flat" cmpd="sng" algn="ctr">
-                        <a:solidFill>
-                          <a:scrgbClr r="0" g="0" b="0"/>
-                        </a:solidFill>
-                        <a:prstDash val="solid"/>
-                        <a:round/>
-                        <a:headEnd type="none" w="med" len="med"/>
-                        <a:tailEnd type="none" w="med" len="med"/>
-                      </a:lnL>
-                      <a:lnR w="12700" cap="flat" cmpd="sng" algn="ctr">
-                        <a:solidFill>
-                          <a:scrgbClr r="0" g="0" b="0"/>
-                        </a:solidFill>
-                        <a:prstDash val="solid"/>
-                        <a:round/>
-                        <a:headEnd type="none" w="med" len="med"/>
-                        <a:tailEnd type="none" w="med" len="med"/>
-                      </a:lnR>
-                      <a:lnT w="12700" cap="flat" cmpd="sng" algn="ctr">
-                        <a:noFill/>
-                        <a:prstDash val="solid"/>
-                        <a:round/>
-                        <a:headEnd type="none" w="med" len="med"/>
-                        <a:tailEnd type="none" w="med" len="med"/>
-                      </a:lnT>
-                      <a:lnB w="12700" cap="flat" cmpd="sng" algn="ctr">
-                        <a:solidFill>
-                          <a:scrgbClr r="0" g="0" b="0"/>
-                        </a:solidFill>
-                        <a:prstDash val="solid"/>
-                        <a:round/>
-                        <a:headEnd type="none" w="med" len="med"/>
-                        <a:tailEnd type="none" w="med" len="med"/>
-                      </a:lnB>
-                    </a:tcPr>
-                  </a:tc>
-                  <a:tc>
-                    <a:txBody>
-                      <a:bodyPr/>
-                      <a:lstStyle/>
-                      <a:p>
-                        <a:pPr algn="ctr" fontAlgn="t"/>
                         <a:r>
-                          <a:rPr lang="en-US" sz="1400" b="0" u="none" strike="noStrike" cap="none" dirty="0">
+                          <a:rPr lang="en-US" sz="1200" b="0" u="none" strike="noStrike" cap="none" dirty="0">
                             <a:latin typeface="News Gothic MT"/>
                             <a:cs typeface="News Gothic MT"/>
                           </a:rPr>
                           <a:t> </a:t>
                         </a:r>
-                        <a:endParaRPr lang="en-US" sz="1400" b="0" i="0" u="none" strike="noStrike" cap="none" dirty="0">
+                        <a:endParaRPr lang="en-US" sz="1200" b="0" i="0" u="none" strike="noStrike" cap="none" dirty="0">
                           <a:solidFill>
                             <a:schemeClr val="tx1"/>
                           </a:solidFill>
@@ -3778,13 +3786,13 @@
                       <a:p>
                         <a:pPr algn="ctr"/>
                         <a:r>
-                          <a:rPr lang="en-US" sz="1400" b="0" strike="noStrike" cap="none" dirty="0" smtClean="0">
+                          <a:rPr lang="en-US" sz="1200" b="0" strike="noStrike" cap="none" dirty="0" smtClean="0">
                             <a:latin typeface="News Gothic MT"/>
                             <a:cs typeface="News Gothic MT"/>
                           </a:rPr>
                           <a:t>dog</a:t>
                         </a:r>
-                        <a:endParaRPr lang="en-US" sz="1400" b="0" strike="noStrike" cap="none" dirty="0">
+                        <a:endParaRPr lang="en-US" sz="1200" b="0" strike="noStrike" cap="none" dirty="0">
                           <a:solidFill>
                             <a:schemeClr val="tx1"/>
                           </a:solidFill>
@@ -3794,6 +3802,70 @@
                       </a:p>
                     </a:txBody>
                     <a:tcPr marL="41052" marR="41052" marT="20526" marB="20526" anchor="ctr" anchorCtr="1">
+                      <a:lnL w="12700" cap="flat" cmpd="sng" algn="ctr">
+                        <a:noFill/>
+                        <a:prstDash val="solid"/>
+                        <a:round/>
+                        <a:headEnd type="none" w="med" len="med"/>
+                        <a:tailEnd type="none" w="med" len="med"/>
+                      </a:lnL>
+                      <a:lnR w="12700" cap="flat" cmpd="sng" algn="ctr">
+                        <a:noFill/>
+                        <a:prstDash val="solid"/>
+                        <a:round/>
+                        <a:headEnd type="none" w="med" len="med"/>
+                        <a:tailEnd type="none" w="med" len="med"/>
+                      </a:lnR>
+                      <a:lnT w="12700" cap="flat" cmpd="sng" algn="ctr">
+                        <a:noFill/>
+                        <a:prstDash val="solid"/>
+                        <a:round/>
+                        <a:headEnd type="none" w="med" len="med"/>
+                        <a:tailEnd type="none" w="med" len="med"/>
+                      </a:lnT>
+                      <a:lnB w="12700" cap="flat" cmpd="sng" algn="ctr">
+                        <a:noFill/>
+                        <a:prstDash val="solid"/>
+                        <a:round/>
+                        <a:headEnd type="none" w="med" len="med"/>
+                        <a:tailEnd type="none" w="med" len="med"/>
+                      </a:lnB>
+                      <a:lnTlToBr w="12700" cmpd="sng">
+                        <a:noFill/>
+                        <a:prstDash val="solid"/>
+                      </a:lnTlToBr>
+                      <a:lnBlToTr w="12700" cmpd="sng">
+                        <a:noFill/>
+                        <a:prstDash val="solid"/>
+                      </a:lnBlToTr>
+                    </a:tcPr>
+                  </a:tc>
+                  <a:tc>
+                    <a:txBody>
+                      <a:bodyPr/>
+                      <a:lstStyle/>
+                      <a:p>
+                        <a:pPr algn="ctr" rtl="0" fontAlgn="t"/>
+                        <a:r>
+                          <a:rPr lang="en-US" sz="1200" b="0" i="0" u="none" strike="noStrike" cap="none" dirty="0" smtClean="0">
+                            <a:solidFill>
+                              <a:schemeClr val="tx1"/>
+                            </a:solidFill>
+                            <a:latin typeface="News Gothic MT"/>
+                            <a:cs typeface="News Gothic MT"/>
+                          </a:rPr>
+                          <a:t>2</a:t>
+                        </a:r>
+                        <a:endParaRPr lang="en-US" sz="1200" b="0" i="0" u="none" strike="noStrike" cap="none" dirty="0">
+                          <a:solidFill>
+                            <a:schemeClr val="tx1"/>
+                          </a:solidFill>
+                          <a:latin typeface="News Gothic MT"/>
+                          <a:cs typeface="News Gothic MT"/>
+                        </a:endParaRPr>
+                      </a:p>
+                    </a:txBody>
+                    <a:tcPr marL="4276" marR="4276" marT="4276" marB="0" anchor="ctr" anchorCtr="1">
                       <a:lnL w="12700" cap="flat" cmpd="sng" algn="ctr">
                         <a:noFill/>
                         <a:prstDash val="solid"/>
@@ -3834,69 +3906,7 @@
                       <a:lstStyle/>
                       <a:p>
                         <a:pPr algn="ctr" rtl="0" fontAlgn="t"/>
-                        <a:r>
-                          <a:rPr lang="en-US" sz="1400" b="0" i="0" u="none" strike="noStrike" cap="none" dirty="0" smtClean="0">
-                            <a:solidFill>
-                              <a:schemeClr val="tx1"/>
-                            </a:solidFill>
-                            <a:latin typeface="News Gothic MT"/>
-                            <a:cs typeface="News Gothic MT"/>
-                          </a:rPr>
-                          <a:t>2</a:t>
-                        </a:r>
-                        <a:endParaRPr lang="en-US" sz="1400" b="0" i="0" u="none" strike="noStrike" cap="none" dirty="0">
-                          <a:solidFill>
-                            <a:schemeClr val="tx1"/>
-                          </a:solidFill>
-                          <a:latin typeface="News Gothic MT"/>
-                          <a:cs typeface="News Gothic MT"/>
-                        </a:endParaRPr>
-                      </a:p>
-                    </a:txBody>
-                    <a:tcPr marL="4276" marR="4276" marT="4276" marB="0" anchor="ctr" anchorCtr="1">
-                      <a:lnL w="12700" cap="flat" cmpd="sng" algn="ctr">
-                        <a:solidFill>
-                          <a:scrgbClr r="0" g="0" b="0"/>
-                        </a:solidFill>
-                        <a:prstDash val="solid"/>
-                        <a:round/>
-                        <a:headEnd type="none" w="med" len="med"/>
-                        <a:tailEnd type="none" w="med" len="med"/>
-                      </a:lnL>
-                      <a:lnR w="12700" cap="flat" cmpd="sng" algn="ctr">
-                        <a:solidFill>
-                          <a:scrgbClr r="0" g="0" b="0"/>
-                        </a:solidFill>
-                        <a:prstDash val="solid"/>
-                        <a:round/>
-                        <a:headEnd type="none" w="med" len="med"/>
-                        <a:tailEnd type="none" w="med" len="med"/>
-                      </a:lnR>
-                      <a:lnT w="12700" cap="flat" cmpd="sng" algn="ctr">
-                        <a:solidFill>
-                          <a:scrgbClr r="0" g="0" b="0"/>
-                        </a:solidFill>
-                        <a:prstDash val="solid"/>
-                        <a:round/>
-                        <a:headEnd type="none" w="med" len="med"/>
-                        <a:tailEnd type="none" w="med" len="med"/>
-                      </a:lnT>
-                      <a:lnB w="12700" cap="flat" cmpd="sng" algn="ctr">
-                        <a:noFill/>
-                        <a:prstDash val="solid"/>
-                        <a:round/>
-                        <a:headEnd type="none" w="med" len="med"/>
-                        <a:tailEnd type="none" w="med" len="med"/>
-                      </a:lnB>
-                    </a:tcPr>
-                  </a:tc>
-                  <a:tc>
-                    <a:txBody>
-                      <a:bodyPr/>
-                      <a:lstStyle/>
-                      <a:p>
-                        <a:pPr algn="ctr" rtl="0" fontAlgn="t"/>
-                        <a:endParaRPr lang="en-US" sz="1400" b="0" i="0" u="none" strike="noStrike" cap="none" dirty="0">
+                        <a:endParaRPr lang="en-US" sz="1200" b="0" i="0" u="none" strike="noStrike" cap="none" dirty="0">
                           <a:solidFill>
                             <a:schemeClr val="tx1"/>
                           </a:solidFill>
@@ -3965,6 +3975,7 @@
                   </a:srgbClr>
                 </a:clrTo>
               </a:clrChange>
+              <a:grayscl/>
             </a:blip>
             <a:stretch>
               <a:fillRect/>
@@ -4000,6 +4011,7 @@
                   </a:srgbClr>
                 </a:clrTo>
               </a:clrChange>
+              <a:grayscl/>
             </a:blip>
             <a:stretch>
               <a:fillRect/>
@@ -4031,7 +4043,7 @@
         </p:nvGrpSpPr>
         <p:grpSpPr>
           <a:xfrm>
-            <a:off x="6840457" y="741089"/>
+            <a:off x="6840457" y="510185"/>
             <a:ext cx="1685756" cy="1367051"/>
             <a:chOff x="5517284" y="4053578"/>
             <a:chExt cx="2468116" cy="2001497"/>
@@ -4046,7 +4058,7 @@
             <p:nvPr>
               <p:extLst>
                 <p:ext uri="{D42A27DB-BD31-4B8C-83A1-F6EECF244321}">
-                  <p14:modId xmlns:p14="http://schemas.microsoft.com/office/powerpoint/2010/main" val="2776706501"/>
+                  <p14:modId xmlns:p14="http://schemas.microsoft.com/office/powerpoint/2010/main" val="2568085572"/>
                 </p:ext>
               </p:extLst>
             </p:nvPr>
@@ -4074,13 +4086,13 @@
                       <a:p>
                         <a:pPr algn="ctr"/>
                         <a:r>
-                          <a:rPr lang="en-US" sz="1400" b="0" strike="noStrike" cap="none" dirty="0" smtClean="0">
+                          <a:rPr lang="en-US" sz="1200" b="0" strike="noStrike" cap="none" dirty="0" smtClean="0">
                             <a:latin typeface="News Gothic MT"/>
                             <a:cs typeface="News Gothic MT"/>
                           </a:rPr>
                           <a:t>pig</a:t>
                         </a:r>
-                        <a:endParaRPr lang="en-US" sz="1400" b="0" strike="noStrike" cap="none" dirty="0">
+                        <a:endParaRPr lang="en-US" sz="1200" b="0" strike="noStrike" cap="none" dirty="0">
                           <a:solidFill>
                             <a:schemeClr val="tx1"/>
                           </a:solidFill>
@@ -4090,6 +4102,60 @@
                       </a:p>
                     </a:txBody>
                     <a:tcPr marL="41052" marR="41052" marT="20526" marB="20526" anchor="ctr" anchorCtr="1">
+                      <a:lnL w="12700" cap="flat" cmpd="sng" algn="ctr">
+                        <a:noFill/>
+                        <a:prstDash val="solid"/>
+                        <a:round/>
+                        <a:headEnd type="none" w="med" len="med"/>
+                        <a:tailEnd type="none" w="med" len="med"/>
+                      </a:lnL>
+                      <a:lnR w="12700" cap="flat" cmpd="sng" algn="ctr">
+                        <a:noFill/>
+                        <a:prstDash val="solid"/>
+                        <a:round/>
+                        <a:headEnd type="none" w="med" len="med"/>
+                        <a:tailEnd type="none" w="med" len="med"/>
+                      </a:lnR>
+                      <a:lnT w="12700" cap="flat" cmpd="sng" algn="ctr">
+                        <a:noFill/>
+                        <a:prstDash val="solid"/>
+                        <a:round/>
+                        <a:headEnd type="none" w="med" len="med"/>
+                        <a:tailEnd type="none" w="med" len="med"/>
+                      </a:lnT>
+                      <a:lnB w="12700" cap="flat" cmpd="sng" algn="ctr">
+                        <a:noFill/>
+                        <a:prstDash val="solid"/>
+                        <a:round/>
+                        <a:headEnd type="none" w="med" len="med"/>
+                        <a:tailEnd type="none" w="med" len="med"/>
+                      </a:lnB>
+                      <a:lnTlToBr w="12700" cmpd="sng">
+                        <a:noFill/>
+                        <a:prstDash val="solid"/>
+                      </a:lnTlToBr>
+                      <a:lnBlToTr w="12700" cmpd="sng">
+                        <a:noFill/>
+                        <a:prstDash val="solid"/>
+                      </a:lnBlToTr>
+                    </a:tcPr>
+                  </a:tc>
+                  <a:tc>
+                    <a:txBody>
+                      <a:bodyPr/>
+                      <a:lstStyle/>
+                      <a:p>
+                        <a:pPr algn="ctr" fontAlgn="t"/>
+                        <a:endParaRPr lang="en-US" sz="1200" b="0" i="0" u="none" strike="noStrike" cap="none" dirty="0">
+                          <a:solidFill>
+                            <a:schemeClr val="tx1"/>
+                          </a:solidFill>
+                          <a:latin typeface="News Gothic MT"/>
+                          <a:cs typeface="News Gothic MT"/>
+                        </a:endParaRPr>
+                      </a:p>
+                    </a:txBody>
+                    <a:tcPr marL="4276" marR="4276" marT="4276" marB="0" anchor="ctr" anchorCtr="1">
                       <a:lnL w="12700" cap="flat" cmpd="sng" algn="ctr">
                         <a:noFill/>
                         <a:prstDash val="solid"/>
@@ -4130,73 +4196,21 @@
                       <a:lstStyle/>
                       <a:p>
                         <a:pPr algn="ctr" fontAlgn="t"/>
-                        <a:endParaRPr lang="en-US" sz="1400" b="0" i="0" u="none" strike="noStrike" cap="none" dirty="0">
-                          <a:solidFill>
-                            <a:schemeClr val="tx1"/>
-                          </a:solidFill>
-                          <a:latin typeface="News Gothic MT"/>
-                          <a:cs typeface="News Gothic MT"/>
-                        </a:endParaRPr>
-                      </a:p>
-                    </a:txBody>
-                    <a:tcPr marL="4276" marR="4276" marT="4276" marB="0" anchor="ctr" anchorCtr="1">
-                      <a:lnL w="12700" cap="flat" cmpd="sng" algn="ctr">
-                        <a:solidFill>
-                          <a:scrgbClr r="0" g="0" b="0"/>
-                        </a:solidFill>
-                        <a:prstDash val="solid"/>
-                        <a:round/>
-                        <a:headEnd type="none" w="med" len="med"/>
-                        <a:tailEnd type="none" w="med" len="med"/>
-                      </a:lnL>
-                      <a:lnR w="12700" cap="flat" cmpd="sng" algn="ctr">
-                        <a:solidFill>
-                          <a:scrgbClr r="0" g="0" b="0"/>
-                        </a:solidFill>
-                        <a:prstDash val="solid"/>
-                        <a:round/>
-                        <a:headEnd type="none" w="med" len="med"/>
-                        <a:tailEnd type="none" w="med" len="med"/>
-                      </a:lnR>
-                      <a:lnT w="12700" cap="flat" cmpd="sng" algn="ctr">
-                        <a:noFill/>
-                        <a:prstDash val="solid"/>
-                        <a:round/>
-                        <a:headEnd type="none" w="med" len="med"/>
-                        <a:tailEnd type="none" w="med" len="med"/>
-                      </a:lnT>
-                      <a:lnB w="12700" cap="flat" cmpd="sng" algn="ctr">
-                        <a:solidFill>
-                          <a:scrgbClr r="0" g="0" b="0"/>
-                        </a:solidFill>
-                        <a:prstDash val="solid"/>
-                        <a:round/>
-                        <a:headEnd type="none" w="med" len="med"/>
-                        <a:tailEnd type="none" w="med" len="med"/>
-                      </a:lnB>
-                    </a:tcPr>
-                  </a:tc>
-                  <a:tc>
-                    <a:txBody>
-                      <a:bodyPr/>
-                      <a:lstStyle/>
-                      <a:p>
-                        <a:pPr algn="ctr" fontAlgn="t"/>
                         <a:r>
-                          <a:rPr lang="en-US" sz="1400" b="0" u="none" strike="noStrike" cap="none" dirty="0" smtClean="0">
+                          <a:rPr lang="en-US" sz="1200" b="0" u="none" strike="noStrike" cap="none" dirty="0" smtClean="0">
                             <a:latin typeface="News Gothic MT"/>
                             <a:cs typeface="News Gothic MT"/>
                           </a:rPr>
                           <a:t>1</a:t>
                         </a:r>
                         <a:r>
-                          <a:rPr lang="en-US" sz="1400" b="0" u="none" strike="noStrike" cap="none" dirty="0">
+                          <a:rPr lang="en-US" sz="1200" b="0" u="none" strike="noStrike" cap="none" dirty="0">
                             <a:latin typeface="News Gothic MT"/>
                             <a:cs typeface="News Gothic MT"/>
                           </a:rPr>
                           <a:t> </a:t>
                         </a:r>
-                        <a:endParaRPr lang="en-US" sz="1400" b="0" i="0" u="none" strike="noStrike" cap="none" dirty="0">
+                        <a:endParaRPr lang="en-US" sz="1200" b="0" i="0" u="none" strike="noStrike" cap="none" dirty="0">
                           <a:solidFill>
                             <a:schemeClr val="tx1"/>
                           </a:solidFill>
@@ -4249,13 +4263,13 @@
                       <a:p>
                         <a:pPr algn="ctr"/>
                         <a:r>
-                          <a:rPr lang="en-US" sz="1400" b="0" strike="noStrike" cap="none" dirty="0" smtClean="0">
+                          <a:rPr lang="en-US" sz="1200" b="0" strike="noStrike" cap="none" dirty="0" smtClean="0">
                             <a:latin typeface="News Gothic MT"/>
                             <a:cs typeface="News Gothic MT"/>
                           </a:rPr>
                           <a:t>dog</a:t>
                         </a:r>
-                        <a:endParaRPr lang="en-US" sz="1400" b="0" strike="noStrike" cap="none" dirty="0">
+                        <a:endParaRPr lang="en-US" sz="1200" b="0" strike="noStrike" cap="none" dirty="0">
                           <a:solidFill>
                             <a:schemeClr val="tx1"/>
                           </a:solidFill>
@@ -4265,6 +4279,70 @@
                       </a:p>
                     </a:txBody>
                     <a:tcPr marL="41052" marR="41052" marT="20526" marB="20526" anchor="ctr" anchorCtr="1">
+                      <a:lnL w="12700" cap="flat" cmpd="sng" algn="ctr">
+                        <a:noFill/>
+                        <a:prstDash val="solid"/>
+                        <a:round/>
+                        <a:headEnd type="none" w="med" len="med"/>
+                        <a:tailEnd type="none" w="med" len="med"/>
+                      </a:lnL>
+                      <a:lnR w="12700" cap="flat" cmpd="sng" algn="ctr">
+                        <a:noFill/>
+                        <a:prstDash val="solid"/>
+                        <a:round/>
+                        <a:headEnd type="none" w="med" len="med"/>
+                        <a:tailEnd type="none" w="med" len="med"/>
+                      </a:lnR>
+                      <a:lnT w="12700" cap="flat" cmpd="sng" algn="ctr">
+                        <a:noFill/>
+                        <a:prstDash val="solid"/>
+                        <a:round/>
+                        <a:headEnd type="none" w="med" len="med"/>
+                        <a:tailEnd type="none" w="med" len="med"/>
+                      </a:lnT>
+                      <a:lnB w="12700" cap="flat" cmpd="sng" algn="ctr">
+                        <a:noFill/>
+                        <a:prstDash val="solid"/>
+                        <a:round/>
+                        <a:headEnd type="none" w="med" len="med"/>
+                        <a:tailEnd type="none" w="med" len="med"/>
+                      </a:lnB>
+                      <a:lnTlToBr w="12700" cmpd="sng">
+                        <a:noFill/>
+                        <a:prstDash val="solid"/>
+                      </a:lnTlToBr>
+                      <a:lnBlToTr w="12700" cmpd="sng">
+                        <a:noFill/>
+                        <a:prstDash val="solid"/>
+                      </a:lnBlToTr>
+                    </a:tcPr>
+                  </a:tc>
+                  <a:tc>
+                    <a:txBody>
+                      <a:bodyPr/>
+                      <a:lstStyle/>
+                      <a:p>
+                        <a:pPr algn="ctr" rtl="0" fontAlgn="t"/>
+                        <a:r>
+                          <a:rPr lang="en-US" sz="1200" b="0" i="0" u="none" strike="noStrike" cap="none" dirty="0" smtClean="0">
+                            <a:solidFill>
+                              <a:schemeClr val="tx1"/>
+                            </a:solidFill>
+                            <a:latin typeface="News Gothic MT"/>
+                            <a:cs typeface="News Gothic MT"/>
+                          </a:rPr>
+                          <a:t>2</a:t>
+                        </a:r>
+                        <a:endParaRPr lang="en-US" sz="1200" b="0" i="0" u="none" strike="noStrike" cap="none" dirty="0">
+                          <a:solidFill>
+                            <a:schemeClr val="tx1"/>
+                          </a:solidFill>
+                          <a:latin typeface="News Gothic MT"/>
+                          <a:cs typeface="News Gothic MT"/>
+                        </a:endParaRPr>
+                      </a:p>
+                    </a:txBody>
+                    <a:tcPr marL="4276" marR="4276" marT="4276" marB="0" anchor="ctr" anchorCtr="1">
                       <a:lnL w="12700" cap="flat" cmpd="sng" algn="ctr">
                         <a:noFill/>
                         <a:prstDash val="solid"/>
@@ -4305,69 +4383,7 @@
                       <a:lstStyle/>
                       <a:p>
                         <a:pPr algn="ctr" rtl="0" fontAlgn="t"/>
-                        <a:r>
-                          <a:rPr lang="en-US" sz="1400" b="0" i="0" u="none" strike="noStrike" cap="none" dirty="0" smtClean="0">
-                            <a:solidFill>
-                              <a:schemeClr val="tx1"/>
-                            </a:solidFill>
-                            <a:latin typeface="News Gothic MT"/>
-                            <a:cs typeface="News Gothic MT"/>
-                          </a:rPr>
-                          <a:t>2</a:t>
-                        </a:r>
-                        <a:endParaRPr lang="en-US" sz="1400" b="0" i="0" u="none" strike="noStrike" cap="none" dirty="0">
-                          <a:solidFill>
-                            <a:schemeClr val="tx1"/>
-                          </a:solidFill>
-                          <a:latin typeface="News Gothic MT"/>
-                          <a:cs typeface="News Gothic MT"/>
-                        </a:endParaRPr>
-                      </a:p>
-                    </a:txBody>
-                    <a:tcPr marL="4276" marR="4276" marT="4276" marB="0" anchor="ctr" anchorCtr="1">
-                      <a:lnL w="12700" cap="flat" cmpd="sng" algn="ctr">
-                        <a:solidFill>
-                          <a:scrgbClr r="0" g="0" b="0"/>
-                        </a:solidFill>
-                        <a:prstDash val="solid"/>
-                        <a:round/>
-                        <a:headEnd type="none" w="med" len="med"/>
-                        <a:tailEnd type="none" w="med" len="med"/>
-                      </a:lnL>
-                      <a:lnR w="12700" cap="flat" cmpd="sng" algn="ctr">
-                        <a:solidFill>
-                          <a:scrgbClr r="0" g="0" b="0"/>
-                        </a:solidFill>
-                        <a:prstDash val="solid"/>
-                        <a:round/>
-                        <a:headEnd type="none" w="med" len="med"/>
-                        <a:tailEnd type="none" w="med" len="med"/>
-                      </a:lnR>
-                      <a:lnT w="12700" cap="flat" cmpd="sng" algn="ctr">
-                        <a:solidFill>
-                          <a:scrgbClr r="0" g="0" b="0"/>
-                        </a:solidFill>
-                        <a:prstDash val="solid"/>
-                        <a:round/>
-                        <a:headEnd type="none" w="med" len="med"/>
-                        <a:tailEnd type="none" w="med" len="med"/>
-                      </a:lnT>
-                      <a:lnB w="12700" cap="flat" cmpd="sng" algn="ctr">
-                        <a:noFill/>
-                        <a:prstDash val="solid"/>
-                        <a:round/>
-                        <a:headEnd type="none" w="med" len="med"/>
-                        <a:tailEnd type="none" w="med" len="med"/>
-                      </a:lnB>
-                    </a:tcPr>
-                  </a:tc>
-                  <a:tc>
-                    <a:txBody>
-                      <a:bodyPr/>
-                      <a:lstStyle/>
-                      <a:p>
-                        <a:pPr algn="ctr" rtl="0" fontAlgn="t"/>
-                        <a:endParaRPr lang="en-US" sz="1400" b="0" i="0" u="none" strike="noStrike" cap="none" dirty="0">
+                        <a:endParaRPr lang="en-US" sz="1200" b="0" i="0" u="none" strike="noStrike" cap="none" dirty="0">
                           <a:solidFill>
                             <a:schemeClr val="tx1"/>
                           </a:solidFill>
@@ -4436,6 +4452,7 @@
                   </a:srgbClr>
                 </a:clrTo>
               </a:clrChange>
+              <a:grayscl/>
             </a:blip>
             <a:stretch>
               <a:fillRect/>
@@ -4471,6 +4488,7 @@
                   </a:srgbClr>
                 </a:clrTo>
               </a:clrChange>
+              <a:grayscl/>
             </a:blip>
             <a:stretch>
               <a:fillRect/>
@@ -4503,13 +4521,13 @@
           <p:nvPr>
             <p:extLst>
               <p:ext uri="{D42A27DB-BD31-4B8C-83A1-F6EECF244321}">
-                <p14:modId xmlns:p14="http://schemas.microsoft.com/office/powerpoint/2010/main" val="2900366669"/>
+                <p14:modId xmlns:p14="http://schemas.microsoft.com/office/powerpoint/2010/main" val="1591100048"/>
               </p:ext>
             </p:extLst>
           </p:nvPr>
         </p:nvGraphicFramePr>
         <p:xfrm>
-          <a:off x="699926" y="2346249"/>
+          <a:off x="699926" y="2076861"/>
           <a:ext cx="2494535" cy="609599"/>
         </p:xfrm>
         <a:graphic>
@@ -4938,13 +4956,13 @@
           <p:nvPr>
             <p:extLst>
               <p:ext uri="{D42A27DB-BD31-4B8C-83A1-F6EECF244321}">
-                <p14:modId xmlns:p14="http://schemas.microsoft.com/office/powerpoint/2010/main" val="385861367"/>
+                <p14:modId xmlns:p14="http://schemas.microsoft.com/office/powerpoint/2010/main" val="4008535165"/>
               </p:ext>
             </p:extLst>
           </p:nvPr>
         </p:nvGraphicFramePr>
         <p:xfrm>
-          <a:off x="3636208" y="2346249"/>
+          <a:off x="3636208" y="2076861"/>
           <a:ext cx="2494535" cy="609599"/>
         </p:xfrm>
         <a:graphic>
@@ -5401,13 +5419,13 @@
           <p:nvPr>
             <p:extLst>
               <p:ext uri="{D42A27DB-BD31-4B8C-83A1-F6EECF244321}">
-                <p14:modId xmlns:p14="http://schemas.microsoft.com/office/powerpoint/2010/main" val="934791695"/>
+                <p14:modId xmlns:p14="http://schemas.microsoft.com/office/powerpoint/2010/main" val="1847197142"/>
               </p:ext>
             </p:extLst>
           </p:nvPr>
         </p:nvGraphicFramePr>
         <p:xfrm>
-          <a:off x="6572491" y="2346249"/>
+          <a:off x="6572491" y="2076861"/>
           <a:ext cx="2494535" cy="609599"/>
         </p:xfrm>
         <a:graphic>
@@ -5867,8 +5885,8 @@
         </p:nvSpPr>
         <p:spPr>
           <a:xfrm>
-            <a:off x="1642132" y="224289"/>
-            <a:ext cx="529111" cy="369332"/>
+            <a:off x="1642132" y="-6615"/>
+            <a:ext cx="629424" cy="369332"/>
           </a:xfrm>
           <a:prstGeom prst="rect">
             <a:avLst/>
@@ -5882,10 +5900,16 @@
           <a:lstStyle/>
           <a:p>
             <a:r>
-              <a:rPr lang="en-US" b="1" dirty="0" smtClean="0"/>
+              <a:rPr lang="en-US" b="1" dirty="0" smtClean="0">
+                <a:latin typeface="News Gothic MT"/>
+                <a:cs typeface="News Gothic MT"/>
+              </a:rPr>
               <a:t>T=1</a:t>
             </a:r>
-            <a:endParaRPr lang="en-US" b="1" dirty="0"/>
+            <a:endParaRPr lang="en-US" b="1" dirty="0">
+              <a:latin typeface="News Gothic MT"/>
+              <a:cs typeface="News Gothic MT"/>
+            </a:endParaRPr>
           </a:p>
         </p:txBody>
       </p:sp>
@@ -5897,8 +5921,8 @@
         </p:nvSpPr>
         <p:spPr>
           <a:xfrm>
-            <a:off x="4564935" y="224289"/>
-            <a:ext cx="529111" cy="369332"/>
+            <a:off x="4564935" y="-6615"/>
+            <a:ext cx="629424" cy="369332"/>
           </a:xfrm>
           <a:prstGeom prst="rect">
             <a:avLst/>
@@ -5912,10 +5936,16 @@
           <a:lstStyle/>
           <a:p>
             <a:r>
-              <a:rPr lang="en-US" b="1" dirty="0" smtClean="0"/>
+              <a:rPr lang="en-US" b="1" dirty="0" smtClean="0">
+                <a:latin typeface="News Gothic MT"/>
+                <a:cs typeface="News Gothic MT"/>
+              </a:rPr>
               <a:t>T=2</a:t>
             </a:r>
-            <a:endParaRPr lang="en-US" b="1" dirty="0"/>
+            <a:endParaRPr lang="en-US" b="1" dirty="0">
+              <a:latin typeface="News Gothic MT"/>
+              <a:cs typeface="News Gothic MT"/>
+            </a:endParaRPr>
           </a:p>
         </p:txBody>
       </p:sp>
@@ -5927,8 +5957,8 @@
         </p:nvSpPr>
         <p:spPr>
           <a:xfrm>
-            <a:off x="7487738" y="224289"/>
-            <a:ext cx="529111" cy="369332"/>
+            <a:off x="7487738" y="-6615"/>
+            <a:ext cx="629424" cy="369332"/>
           </a:xfrm>
           <a:prstGeom prst="rect">
             <a:avLst/>
@@ -5942,10 +5972,16 @@
           <a:lstStyle/>
           <a:p>
             <a:r>
-              <a:rPr lang="en-US" b="1" dirty="0" smtClean="0"/>
+              <a:rPr lang="en-US" b="1" dirty="0" smtClean="0">
+                <a:latin typeface="News Gothic MT"/>
+                <a:cs typeface="News Gothic MT"/>
+              </a:rPr>
               <a:t>T=3</a:t>
             </a:r>
-            <a:endParaRPr lang="en-US" b="1" dirty="0"/>
+            <a:endParaRPr lang="en-US" b="1" dirty="0">
+              <a:latin typeface="News Gothic MT"/>
+              <a:cs typeface="News Gothic MT"/>
+            </a:endParaRPr>
           </a:p>
         </p:txBody>
       </p:sp>
@@ -5957,8 +5993,8 @@
         </p:nvSpPr>
         <p:spPr>
           <a:xfrm>
-            <a:off x="40677" y="1431626"/>
-            <a:ext cx="377026" cy="369332"/>
+            <a:off x="66300" y="1200722"/>
+            <a:ext cx="508748" cy="369332"/>
           </a:xfrm>
           <a:prstGeom prst="rect">
             <a:avLst/>
@@ -5972,14 +6008,30 @@
           <a:lstStyle/>
           <a:p>
             <a:r>
-              <a:rPr lang="en-US" b="1" dirty="0" smtClean="0"/>
+              <a:rPr lang="en-US" b="1" dirty="0" smtClean="0">
+                <a:latin typeface="News Gothic MT"/>
+                <a:cs typeface="News Gothic MT"/>
+              </a:rPr>
               <a:t>L</a:t>
             </a:r>
             <a:r>
-              <a:rPr lang="en-US" b="1" baseline="-25000" dirty="0" smtClean="0"/>
+              <a:rPr lang="en-US" b="1" baseline="-25000" dirty="0" smtClean="0">
+                <a:latin typeface="News Gothic MT"/>
+                <a:cs typeface="News Gothic MT"/>
+              </a:rPr>
               <a:t>R</a:t>
             </a:r>
-            <a:endParaRPr lang="en-US" b="1" baseline="-25000" dirty="0"/>
+            <a:r>
+              <a:rPr lang="en-US" b="1" dirty="0" smtClean="0">
+                <a:latin typeface="News Gothic MT"/>
+                <a:cs typeface="News Gothic MT"/>
+              </a:rPr>
+              <a:t>:</a:t>
+            </a:r>
+            <a:endParaRPr lang="en-US" b="1" dirty="0">
+              <a:latin typeface="News Gothic MT"/>
+              <a:cs typeface="News Gothic MT"/>
+            </a:endParaRPr>
           </a:p>
         </p:txBody>
       </p:sp>
@@ -5991,8 +6043,8 @@
         </p:nvSpPr>
         <p:spPr>
           <a:xfrm>
-            <a:off x="40677" y="2456309"/>
-            <a:ext cx="466794" cy="369332"/>
+            <a:off x="-23468" y="2186921"/>
+            <a:ext cx="628898" cy="369332"/>
           </a:xfrm>
           <a:prstGeom prst="rect">
             <a:avLst/>
@@ -6006,14 +6058,30 @@
           <a:lstStyle/>
           <a:p>
             <a:r>
-              <a:rPr lang="en-US" b="1" dirty="0" smtClean="0"/>
+              <a:rPr lang="en-US" b="1" dirty="0" smtClean="0">
+                <a:latin typeface="News Gothic MT"/>
+                <a:cs typeface="News Gothic MT"/>
+              </a:rPr>
               <a:t>L</a:t>
             </a:r>
             <a:r>
-              <a:rPr lang="en-US" b="1" baseline="-25000" dirty="0" smtClean="0"/>
+              <a:rPr lang="en-US" b="1" baseline="-25000" dirty="0" smtClean="0">
+                <a:latin typeface="News Gothic MT"/>
+                <a:cs typeface="News Gothic MT"/>
+              </a:rPr>
               <a:t>NR</a:t>
             </a:r>
-            <a:endParaRPr lang="en-US" b="1" baseline="-25000" dirty="0"/>
+            <a:r>
+              <a:rPr lang="en-US" b="1" dirty="0" smtClean="0">
+                <a:latin typeface="News Gothic MT"/>
+                <a:cs typeface="News Gothic MT"/>
+              </a:rPr>
+              <a:t>:</a:t>
+            </a:r>
+            <a:endParaRPr lang="en-US" b="1" baseline="-25000" dirty="0">
+              <a:latin typeface="News Gothic MT"/>
+              <a:cs typeface="News Gothic MT"/>
+            </a:endParaRPr>
           </a:p>
         </p:txBody>
       </p:sp>
@@ -6025,7 +6093,7 @@
         </p:nvGrpSpPr>
         <p:grpSpPr>
           <a:xfrm>
-            <a:off x="1078471" y="5594683"/>
+            <a:off x="1078471" y="5774275"/>
             <a:ext cx="1670169" cy="1047599"/>
             <a:chOff x="1078471" y="5601743"/>
             <a:chExt cx="1670169" cy="1047599"/>
@@ -6112,8 +6180,8 @@
         </p:nvSpPr>
         <p:spPr>
           <a:xfrm>
-            <a:off x="123933" y="5854101"/>
-            <a:ext cx="293770" cy="369332"/>
+            <a:off x="149556" y="6033693"/>
+            <a:ext cx="420345" cy="369332"/>
           </a:xfrm>
           <a:prstGeom prst="rect">
             <a:avLst/>
@@ -6127,10 +6195,23 @@
           <a:lstStyle/>
           <a:p>
             <a:r>
-              <a:rPr lang="en-US" b="1" dirty="0" smtClean="0"/>
+              <a:rPr lang="en-US" b="1" dirty="0" smtClean="0">
+                <a:latin typeface="News Gothic MT"/>
+                <a:cs typeface="News Gothic MT"/>
+              </a:rPr>
               <a:t>S</a:t>
             </a:r>
-            <a:endParaRPr lang="en-US" b="1" baseline="-25000" dirty="0"/>
+            <a:r>
+              <a:rPr lang="en-US" b="1" dirty="0" smtClean="0">
+                <a:latin typeface="News Gothic MT"/>
+                <a:cs typeface="News Gothic MT"/>
+              </a:rPr>
+              <a:t>:</a:t>
+            </a:r>
+            <a:endParaRPr lang="en-US" b="1" baseline="-25000" dirty="0">
+              <a:latin typeface="News Gothic MT"/>
+              <a:cs typeface="News Gothic MT"/>
+            </a:endParaRPr>
           </a:p>
         </p:txBody>
       </p:sp>
@@ -6142,7 +6223,7 @@
         </p:nvGrpSpPr>
         <p:grpSpPr>
           <a:xfrm>
-            <a:off x="4027837" y="5594683"/>
+            <a:off x="4027837" y="5774275"/>
             <a:ext cx="1670169" cy="1047599"/>
             <a:chOff x="4002381" y="5573502"/>
             <a:chExt cx="1670169" cy="1047599"/>
@@ -6286,7 +6367,7 @@
         </p:nvGrpSpPr>
         <p:grpSpPr>
           <a:xfrm>
-            <a:off x="6977202" y="5594683"/>
+            <a:off x="6977202" y="5774275"/>
             <a:ext cx="1670169" cy="1047599"/>
             <a:chOff x="4002381" y="5573502"/>
             <a:chExt cx="1670169" cy="1047599"/>
@@ -6415,6 +6496,2699 @@
             <a:xfrm>
               <a:off x="4891407" y="5627399"/>
               <a:ext cx="648081" cy="642079"/>
+            </a:xfrm>
+            <a:prstGeom prst="rect">
+              <a:avLst/>
+            </a:prstGeom>
+            <a:noFill/>
+            <a:ln w="9525">
+              <a:noFill/>
+              <a:miter lim="800000"/>
+              <a:headEnd/>
+              <a:tailEnd/>
+            </a:ln>
+          </p:spPr>
+        </p:pic>
+      </p:grpSp>
+      <p:sp>
+        <p:nvSpPr>
+          <p:cNvPr id="50" name="TextBox 49"/>
+          <p:cNvSpPr txBox="1"/>
+          <p:nvPr/>
+        </p:nvSpPr>
+        <p:spPr>
+          <a:xfrm>
+            <a:off x="197120" y="4139582"/>
+            <a:ext cx="348435" cy="369332"/>
+          </a:xfrm>
+          <a:prstGeom prst="rect">
+            <a:avLst/>
+          </a:prstGeom>
+          <a:noFill/>
+        </p:spPr>
+        <p:txBody>
+          <a:bodyPr wrap="none" rtlCol="0">
+            <a:spAutoFit/>
+          </a:bodyPr>
+          <a:lstStyle/>
+          <a:p>
+            <a:r>
+              <a:rPr lang="en-US" b="1" dirty="0" smtClean="0">
+                <a:latin typeface="News Gothic MT"/>
+                <a:cs typeface="News Gothic MT"/>
+              </a:rPr>
+              <a:t>I</a:t>
+            </a:r>
+            <a:r>
+              <a:rPr lang="en-US" b="1" dirty="0" smtClean="0">
+                <a:latin typeface="News Gothic MT"/>
+                <a:cs typeface="News Gothic MT"/>
+              </a:rPr>
+              <a:t>:</a:t>
+            </a:r>
+            <a:endParaRPr lang="en-US" b="1" baseline="-25000" dirty="0">
+              <a:latin typeface="News Gothic MT"/>
+              <a:cs typeface="News Gothic MT"/>
+            </a:endParaRPr>
+          </a:p>
+        </p:txBody>
+      </p:sp>
+      <p:grpSp>
+        <p:nvGrpSpPr>
+          <p:cNvPr id="52" name="Group 51"/>
+          <p:cNvGrpSpPr/>
+          <p:nvPr/>
+        </p:nvGrpSpPr>
+        <p:grpSpPr>
+          <a:xfrm>
+            <a:off x="699926" y="3390158"/>
+            <a:ext cx="1715160" cy="1868180"/>
+            <a:chOff x="699926" y="3467484"/>
+            <a:chExt cx="1715160" cy="1868180"/>
+          </a:xfrm>
+        </p:grpSpPr>
+        <p:grpSp>
+          <p:nvGrpSpPr>
+            <p:cNvPr id="46" name="Group 45"/>
+            <p:cNvGrpSpPr/>
+            <p:nvPr/>
+          </p:nvGrpSpPr>
+          <p:grpSpPr>
+            <a:xfrm>
+              <a:off x="699926" y="3497504"/>
+              <a:ext cx="1685756" cy="1838160"/>
+              <a:chOff x="5517284" y="4053578"/>
+              <a:chExt cx="2468116" cy="2691247"/>
+            </a:xfrm>
+          </p:grpSpPr>
+          <p:graphicFrame>
+            <p:nvGraphicFramePr>
+              <p:cNvPr id="47" name="Content Placeholder 4"/>
+              <p:cNvGraphicFramePr>
+                <a:graphicFrameLocks/>
+              </p:cNvGraphicFramePr>
+              <p:nvPr>
+                <p:extLst>
+                  <p:ext uri="{D42A27DB-BD31-4B8C-83A1-F6EECF244321}">
+                    <p14:modId xmlns:p14="http://schemas.microsoft.com/office/powerpoint/2010/main" val="3553437617"/>
+                  </p:ext>
+                </p:extLst>
+              </p:nvPr>
+            </p:nvGraphicFramePr>
+            <p:xfrm>
+              <a:off x="5517284" y="4648201"/>
+              <a:ext cx="2468116" cy="2096624"/>
+            </p:xfrm>
+            <a:graphic>
+              <a:graphicData uri="http://schemas.openxmlformats.org/drawingml/2006/table">
+                <a:tbl>
+                  <a:tblPr firstRow="1" firstCol="1">
+                    <a:tableStyleId>{5FD0F851-EC5A-4D38-B0AD-8093EC10F338}</a:tableStyleId>
+                  </a:tblPr>
+                  <a:tblGrid>
+                    <a:gridCol w="674526"/>
+                    <a:gridCol w="547749"/>
+                    <a:gridCol w="463481"/>
+                  </a:tblGrid>
+                  <a:tr h="489806">
+                    <a:tc>
+                      <a:txBody>
+                        <a:bodyPr/>
+                        <a:lstStyle/>
+                        <a:p>
+                          <a:pPr algn="ctr"/>
+                          <a:r>
+                            <a:rPr lang="en-US" sz="1200" b="0" strike="noStrike" cap="none" dirty="0" smtClean="0">
+                              <a:latin typeface="News Gothic MT"/>
+                              <a:cs typeface="News Gothic MT"/>
+                            </a:rPr>
+                            <a:t>look</a:t>
+                          </a:r>
+                          <a:endParaRPr lang="en-US" sz="1200" b="0" strike="noStrike" cap="none" dirty="0">
+                            <a:solidFill>
+                              <a:schemeClr val="tx1"/>
+                            </a:solidFill>
+                            <a:latin typeface="News Gothic MT"/>
+                            <a:cs typeface="News Gothic MT"/>
+                          </a:endParaRPr>
+                        </a:p>
+                      </a:txBody>
+                      <a:tcPr marL="41052" marR="41052" marT="20526" marB="20526" anchor="ctr" anchorCtr="1">
+                        <a:lnL w="12700" cap="flat" cmpd="sng" algn="ctr">
+                          <a:noFill/>
+                          <a:prstDash val="solid"/>
+                          <a:round/>
+                          <a:headEnd type="none" w="med" len="med"/>
+                          <a:tailEnd type="none" w="med" len="med"/>
+                        </a:lnL>
+                        <a:lnR w="12700" cap="flat" cmpd="sng" algn="ctr">
+                          <a:noFill/>
+                          <a:prstDash val="solid"/>
+                          <a:round/>
+                          <a:headEnd type="none" w="med" len="med"/>
+                          <a:tailEnd type="none" w="med" len="med"/>
+                        </a:lnR>
+                        <a:lnT w="12700" cap="flat" cmpd="sng" algn="ctr">
+                          <a:noFill/>
+                          <a:prstDash val="solid"/>
+                          <a:round/>
+                          <a:headEnd type="none" w="med" len="med"/>
+                          <a:tailEnd type="none" w="med" len="med"/>
+                        </a:lnT>
+                        <a:lnB w="12700" cap="flat" cmpd="sng" algn="ctr">
+                          <a:noFill/>
+                          <a:prstDash val="solid"/>
+                          <a:round/>
+                          <a:headEnd type="none" w="med" len="med"/>
+                          <a:tailEnd type="none" w="med" len="med"/>
+                        </a:lnB>
+                        <a:lnTlToBr w="12700" cmpd="sng">
+                          <a:noFill/>
+                          <a:prstDash val="solid"/>
+                        </a:lnTlToBr>
+                        <a:lnBlToTr w="12700" cmpd="sng">
+                          <a:noFill/>
+                          <a:prstDash val="solid"/>
+                        </a:lnBlToTr>
+                      </a:tcPr>
+                    </a:tc>
+                    <a:tc>
+                      <a:txBody>
+                        <a:bodyPr/>
+                        <a:lstStyle/>
+                        <a:p>
+                          <a:pPr algn="ctr" fontAlgn="t"/>
+                          <a:endParaRPr lang="en-US" sz="1200" b="0" i="0" u="none" strike="noStrike" cap="none" dirty="0">
+                            <a:solidFill>
+                              <a:schemeClr val="tx1"/>
+                            </a:solidFill>
+                            <a:latin typeface="News Gothic MT"/>
+                            <a:cs typeface="News Gothic MT"/>
+                          </a:endParaRPr>
+                        </a:p>
+                      </a:txBody>
+                      <a:tcPr marL="4276" marR="4276" marT="4276" marB="0" anchor="ctr" anchorCtr="1">
+                        <a:lnL w="12700" cap="flat" cmpd="sng" algn="ctr">
+                          <a:noFill/>
+                          <a:prstDash val="solid"/>
+                          <a:round/>
+                          <a:headEnd type="none" w="med" len="med"/>
+                          <a:tailEnd type="none" w="med" len="med"/>
+                        </a:lnL>
+                        <a:lnR w="12700" cap="flat" cmpd="sng" algn="ctr">
+                          <a:solidFill>
+                            <a:scrgbClr r="0" g="0" b="0"/>
+                          </a:solidFill>
+                          <a:prstDash val="solid"/>
+                          <a:round/>
+                          <a:headEnd type="none" w="med" len="med"/>
+                          <a:tailEnd type="none" w="med" len="med"/>
+                        </a:lnR>
+                        <a:lnT w="12700" cap="flat" cmpd="sng" algn="ctr">
+                          <a:noFill/>
+                          <a:prstDash val="solid"/>
+                          <a:round/>
+                          <a:headEnd type="none" w="med" len="med"/>
+                          <a:tailEnd type="none" w="med" len="med"/>
+                        </a:lnT>
+                        <a:lnB w="12700" cap="flat" cmpd="sng" algn="ctr">
+                          <a:solidFill>
+                            <a:scrgbClr r="0" g="0" b="0"/>
+                          </a:solidFill>
+                          <a:prstDash val="solid"/>
+                          <a:round/>
+                          <a:headEnd type="none" w="med" len="med"/>
+                          <a:tailEnd type="none" w="med" len="med"/>
+                        </a:lnB>
+                      </a:tcPr>
+                    </a:tc>
+                    <a:tc>
+                      <a:txBody>
+                        <a:bodyPr/>
+                        <a:lstStyle/>
+                        <a:p>
+                          <a:pPr algn="ctr" fontAlgn="t"/>
+                          <a:r>
+                            <a:rPr lang="en-US" sz="1200" b="0" u="none" strike="noStrike" cap="none" dirty="0">
+                              <a:latin typeface="News Gothic MT"/>
+                              <a:cs typeface="News Gothic MT"/>
+                            </a:rPr>
+                            <a:t> </a:t>
+                          </a:r>
+                          <a:endParaRPr lang="en-US" sz="1200" b="0" i="0" u="none" strike="noStrike" cap="none" dirty="0">
+                            <a:solidFill>
+                              <a:schemeClr val="tx1"/>
+                            </a:solidFill>
+                            <a:latin typeface="News Gothic MT"/>
+                            <a:cs typeface="News Gothic MT"/>
+                          </a:endParaRPr>
+                        </a:p>
+                      </a:txBody>
+                      <a:tcPr marL="4276" marR="4276" marT="4276" marB="0" anchor="ctr" anchorCtr="1">
+                        <a:lnL w="12700" cap="flat" cmpd="sng" algn="ctr">
+                          <a:solidFill>
+                            <a:scrgbClr r="0" g="0" b="0"/>
+                          </a:solidFill>
+                          <a:prstDash val="solid"/>
+                          <a:round/>
+                          <a:headEnd type="none" w="med" len="med"/>
+                          <a:tailEnd type="none" w="med" len="med"/>
+                        </a:lnL>
+                        <a:lnR w="12700" cap="flat" cmpd="sng" algn="ctr">
+                          <a:noFill/>
+                          <a:prstDash val="solid"/>
+                          <a:round/>
+                          <a:headEnd type="none" w="med" len="med"/>
+                          <a:tailEnd type="none" w="med" len="med"/>
+                        </a:lnR>
+                        <a:lnT w="12700" cap="flat" cmpd="sng" algn="ctr">
+                          <a:noFill/>
+                          <a:prstDash val="solid"/>
+                          <a:round/>
+                          <a:headEnd type="none" w="med" len="med"/>
+                          <a:tailEnd type="none" w="med" len="med"/>
+                        </a:lnT>
+                        <a:lnB w="12700" cap="flat" cmpd="sng" algn="ctr">
+                          <a:solidFill>
+                            <a:scrgbClr r="0" g="0" b="0"/>
+                          </a:solidFill>
+                          <a:prstDash val="solid"/>
+                          <a:round/>
+                          <a:headEnd type="none" w="med" len="med"/>
+                          <a:tailEnd type="none" w="med" len="med"/>
+                        </a:lnB>
+                      </a:tcPr>
+                    </a:tc>
+                  </a:tr>
+                  <a:tr h="471109">
+                    <a:tc>
+                      <a:txBody>
+                        <a:bodyPr/>
+                        <a:lstStyle/>
+                        <a:p>
+                          <a:pPr algn="ctr"/>
+                          <a:r>
+                            <a:rPr lang="en-US" sz="1200" b="0" strike="noStrike" cap="none" dirty="0" smtClean="0">
+                              <a:latin typeface="News Gothic MT"/>
+                              <a:cs typeface="News Gothic MT"/>
+                            </a:rPr>
+                            <a:t>dog</a:t>
+                          </a:r>
+                          <a:endParaRPr lang="en-US" sz="1200" b="0" strike="noStrike" cap="none" dirty="0">
+                            <a:solidFill>
+                              <a:schemeClr val="tx1"/>
+                            </a:solidFill>
+                            <a:latin typeface="News Gothic MT"/>
+                            <a:cs typeface="News Gothic MT"/>
+                          </a:endParaRPr>
+                        </a:p>
+                      </a:txBody>
+                      <a:tcPr marL="41052" marR="41052" marT="20526" marB="20526" anchor="ctr" anchorCtr="1">
+                        <a:lnL w="12700" cap="flat" cmpd="sng" algn="ctr">
+                          <a:noFill/>
+                          <a:prstDash val="solid"/>
+                          <a:round/>
+                          <a:headEnd type="none" w="med" len="med"/>
+                          <a:tailEnd type="none" w="med" len="med"/>
+                        </a:lnL>
+                        <a:lnR w="12700" cap="flat" cmpd="sng" algn="ctr">
+                          <a:noFill/>
+                          <a:prstDash val="solid"/>
+                          <a:round/>
+                          <a:headEnd type="none" w="med" len="med"/>
+                          <a:tailEnd type="none" w="med" len="med"/>
+                        </a:lnR>
+                        <a:lnT w="12700" cap="flat" cmpd="sng" algn="ctr">
+                          <a:noFill/>
+                          <a:prstDash val="solid"/>
+                          <a:round/>
+                          <a:headEnd type="none" w="med" len="med"/>
+                          <a:tailEnd type="none" w="med" len="med"/>
+                        </a:lnT>
+                        <a:lnB w="12700" cap="flat" cmpd="sng" algn="ctr">
+                          <a:noFill/>
+                          <a:prstDash val="solid"/>
+                          <a:round/>
+                          <a:headEnd type="none" w="med" len="med"/>
+                          <a:tailEnd type="none" w="med" len="med"/>
+                        </a:lnB>
+                        <a:lnTlToBr w="12700" cmpd="sng">
+                          <a:noFill/>
+                          <a:prstDash val="solid"/>
+                        </a:lnTlToBr>
+                        <a:lnBlToTr w="12700" cmpd="sng">
+                          <a:noFill/>
+                          <a:prstDash val="solid"/>
+                        </a:lnBlToTr>
+                      </a:tcPr>
+                    </a:tc>
+                    <a:tc>
+                      <a:txBody>
+                        <a:bodyPr/>
+                        <a:lstStyle/>
+                        <a:p>
+                          <a:pPr algn="ctr" rtl="0" fontAlgn="t"/>
+                          <a:r>
+                            <a:rPr lang="en-US" sz="1200" b="1" i="0" u="none" strike="noStrike" cap="none" dirty="0" smtClean="0">
+                              <a:solidFill>
+                                <a:schemeClr val="tx1"/>
+                              </a:solidFill>
+                              <a:latin typeface="News Gothic MT"/>
+                              <a:cs typeface="News Gothic MT"/>
+                            </a:rPr>
+                            <a:t>X</a:t>
+                          </a:r>
+                          <a:endParaRPr lang="en-US" sz="1200" b="1" i="0" u="none" strike="noStrike" cap="none" dirty="0">
+                            <a:solidFill>
+                              <a:schemeClr val="tx1"/>
+                            </a:solidFill>
+                            <a:latin typeface="News Gothic MT"/>
+                            <a:cs typeface="News Gothic MT"/>
+                          </a:endParaRPr>
+                        </a:p>
+                      </a:txBody>
+                      <a:tcPr marL="4276" marR="4276" marT="4276" marB="0" anchor="ctr" anchorCtr="1">
+                        <a:lnL w="12700" cap="flat" cmpd="sng" algn="ctr">
+                          <a:noFill/>
+                          <a:prstDash val="solid"/>
+                          <a:round/>
+                          <a:headEnd type="none" w="med" len="med"/>
+                          <a:tailEnd type="none" w="med" len="med"/>
+                        </a:lnL>
+                        <a:lnR w="12700" cap="flat" cmpd="sng" algn="ctr">
+                          <a:solidFill>
+                            <a:scrgbClr r="0" g="0" b="0"/>
+                          </a:solidFill>
+                          <a:prstDash val="solid"/>
+                          <a:round/>
+                          <a:headEnd type="none" w="med" len="med"/>
+                          <a:tailEnd type="none" w="med" len="med"/>
+                        </a:lnR>
+                        <a:lnT w="12700" cap="flat" cmpd="sng" algn="ctr">
+                          <a:solidFill>
+                            <a:scrgbClr r="0" g="0" b="0"/>
+                          </a:solidFill>
+                          <a:prstDash val="solid"/>
+                          <a:round/>
+                          <a:headEnd type="none" w="med" len="med"/>
+                          <a:tailEnd type="none" w="med" len="med"/>
+                        </a:lnT>
+                        <a:lnB w="12700" cap="flat" cmpd="sng" algn="ctr">
+                          <a:solidFill>
+                            <a:scrgbClr r="0" g="0" b="0"/>
+                          </a:solidFill>
+                          <a:prstDash val="solid"/>
+                          <a:round/>
+                          <a:headEnd type="none" w="med" len="med"/>
+                          <a:tailEnd type="none" w="med" len="med"/>
+                        </a:lnB>
+                      </a:tcPr>
+                    </a:tc>
+                    <a:tc>
+                      <a:txBody>
+                        <a:bodyPr/>
+                        <a:lstStyle/>
+                        <a:p>
+                          <a:pPr algn="ctr" rtl="0" fontAlgn="t"/>
+                          <a:endParaRPr lang="en-US" sz="1200" b="0" i="0" u="none" strike="noStrike" cap="none" dirty="0">
+                            <a:solidFill>
+                              <a:schemeClr val="tx1"/>
+                            </a:solidFill>
+                            <a:latin typeface="News Gothic MT"/>
+                            <a:cs typeface="News Gothic MT"/>
+                          </a:endParaRPr>
+                        </a:p>
+                      </a:txBody>
+                      <a:tcPr marL="4276" marR="4276" marT="4276" marB="0" anchor="ctr" anchorCtr="1">
+                        <a:lnL w="12700" cap="flat" cmpd="sng" algn="ctr">
+                          <a:solidFill>
+                            <a:scrgbClr r="0" g="0" b="0"/>
+                          </a:solidFill>
+                          <a:prstDash val="solid"/>
+                          <a:round/>
+                          <a:headEnd type="none" w="med" len="med"/>
+                          <a:tailEnd type="none" w="med" len="med"/>
+                        </a:lnL>
+                        <a:lnR w="12700" cap="flat" cmpd="sng" algn="ctr">
+                          <a:noFill/>
+                          <a:prstDash val="solid"/>
+                          <a:round/>
+                          <a:headEnd type="none" w="med" len="med"/>
+                          <a:tailEnd type="none" w="med" len="med"/>
+                        </a:lnR>
+                        <a:lnT w="12700" cap="flat" cmpd="sng" algn="ctr">
+                          <a:solidFill>
+                            <a:scrgbClr r="0" g="0" b="0"/>
+                          </a:solidFill>
+                          <a:prstDash val="solid"/>
+                          <a:round/>
+                          <a:headEnd type="none" w="med" len="med"/>
+                          <a:tailEnd type="none" w="med" len="med"/>
+                        </a:lnT>
+                        <a:lnB w="12700" cap="flat" cmpd="sng" algn="ctr">
+                          <a:solidFill>
+                            <a:scrgbClr r="0" g="0" b="0"/>
+                          </a:solidFill>
+                          <a:prstDash val="solid"/>
+                          <a:round/>
+                          <a:headEnd type="none" w="med" len="med"/>
+                          <a:tailEnd type="none" w="med" len="med"/>
+                        </a:lnB>
+                      </a:tcPr>
+                    </a:tc>
+                  </a:tr>
+                  <a:tr h="471109">
+                    <a:tc>
+                      <a:txBody>
+                        <a:bodyPr/>
+                        <a:lstStyle/>
+                        <a:p>
+                          <a:pPr algn="ctr"/>
+                          <a:r>
+                            <a:rPr lang="en-US" sz="1200" b="0" strike="noStrike" cap="none" dirty="0" smtClean="0">
+                              <a:solidFill>
+                                <a:schemeClr val="tx1"/>
+                              </a:solidFill>
+                              <a:latin typeface="Webdings"/>
+                              <a:ea typeface="Webdings"/>
+                              <a:cs typeface="Webdings"/>
+                              <a:sym typeface="Webdings"/>
+                            </a:rPr>
+                            <a:t></a:t>
+                          </a:r>
+                          <a:endParaRPr lang="en-US" sz="1200" b="0" strike="noStrike" cap="none" dirty="0">
+                            <a:solidFill>
+                              <a:schemeClr val="tx1"/>
+                            </a:solidFill>
+                            <a:latin typeface="News Gothic MT"/>
+                            <a:cs typeface="News Gothic MT"/>
+                          </a:endParaRPr>
+                        </a:p>
+                      </a:txBody>
+                      <a:tcPr marL="41052" marR="41052" marT="20526" marB="20526" anchor="ctr" anchorCtr="1">
+                        <a:lnL w="12700" cap="flat" cmpd="sng" algn="ctr">
+                          <a:noFill/>
+                          <a:prstDash val="solid"/>
+                          <a:round/>
+                          <a:headEnd type="none" w="med" len="med"/>
+                          <a:tailEnd type="none" w="med" len="med"/>
+                        </a:lnL>
+                        <a:lnR w="12700" cap="flat" cmpd="sng" algn="ctr">
+                          <a:noFill/>
+                          <a:prstDash val="solid"/>
+                          <a:round/>
+                          <a:headEnd type="none" w="med" len="med"/>
+                          <a:tailEnd type="none" w="med" len="med"/>
+                        </a:lnR>
+                        <a:lnT w="12700" cap="flat" cmpd="sng" algn="ctr">
+                          <a:noFill/>
+                          <a:prstDash val="solid"/>
+                          <a:round/>
+                          <a:headEnd type="none" w="med" len="med"/>
+                          <a:tailEnd type="none" w="med" len="med"/>
+                        </a:lnT>
+                        <a:lnB w="12700" cap="flat" cmpd="sng" algn="ctr">
+                          <a:noFill/>
+                          <a:prstDash val="solid"/>
+                          <a:round/>
+                          <a:headEnd type="none" w="med" len="med"/>
+                          <a:tailEnd type="none" w="med" len="med"/>
+                        </a:lnB>
+                        <a:lnTlToBr w="12700" cmpd="sng">
+                          <a:noFill/>
+                          <a:prstDash val="solid"/>
+                        </a:lnTlToBr>
+                        <a:lnBlToTr w="12700" cmpd="sng">
+                          <a:noFill/>
+                          <a:prstDash val="solid"/>
+                        </a:lnBlToTr>
+                      </a:tcPr>
+                    </a:tc>
+                    <a:tc>
+                      <a:txBody>
+                        <a:bodyPr/>
+                        <a:lstStyle/>
+                        <a:p>
+                          <a:pPr algn="ctr" rtl="0" fontAlgn="t"/>
+                          <a:endParaRPr lang="en-US" sz="1200" b="0" i="0" u="none" strike="noStrike" cap="none" dirty="0">
+                            <a:solidFill>
+                              <a:schemeClr val="tx1"/>
+                            </a:solidFill>
+                            <a:latin typeface="News Gothic MT"/>
+                            <a:cs typeface="News Gothic MT"/>
+                          </a:endParaRPr>
+                        </a:p>
+                      </a:txBody>
+                      <a:tcPr marL="4276" marR="4276" marT="4276" marB="0" anchor="ctr" anchorCtr="1">
+                        <a:lnL w="12700" cap="flat" cmpd="sng" algn="ctr">
+                          <a:noFill/>
+                          <a:prstDash val="solid"/>
+                          <a:round/>
+                          <a:headEnd type="none" w="med" len="med"/>
+                          <a:tailEnd type="none" w="med" len="med"/>
+                        </a:lnL>
+                        <a:lnR w="12700" cap="flat" cmpd="sng" algn="ctr">
+                          <a:solidFill>
+                            <a:scrgbClr r="0" g="0" b="0"/>
+                          </a:solidFill>
+                          <a:prstDash val="solid"/>
+                          <a:round/>
+                          <a:headEnd type="none" w="med" len="med"/>
+                          <a:tailEnd type="none" w="med" len="med"/>
+                        </a:lnR>
+                        <a:lnT w="12700" cap="flat" cmpd="sng" algn="ctr">
+                          <a:solidFill>
+                            <a:scrgbClr r="0" g="0" b="0"/>
+                          </a:solidFill>
+                          <a:prstDash val="solid"/>
+                          <a:round/>
+                          <a:headEnd type="none" w="med" len="med"/>
+                          <a:tailEnd type="none" w="med" len="med"/>
+                        </a:lnT>
+                        <a:lnB w="12700" cap="flat" cmpd="sng" algn="ctr">
+                          <a:noFill/>
+                          <a:prstDash val="solid"/>
+                          <a:round/>
+                          <a:headEnd type="none" w="med" len="med"/>
+                          <a:tailEnd type="none" w="med" len="med"/>
+                        </a:lnB>
+                      </a:tcPr>
+                    </a:tc>
+                    <a:tc>
+                      <a:txBody>
+                        <a:bodyPr/>
+                        <a:lstStyle/>
+                        <a:p>
+                          <a:pPr algn="ctr" rtl="0" fontAlgn="t"/>
+                          <a:endParaRPr lang="en-US" sz="1200" b="0" i="0" u="none" strike="noStrike" cap="none" dirty="0">
+                            <a:solidFill>
+                              <a:schemeClr val="tx1"/>
+                            </a:solidFill>
+                            <a:latin typeface="News Gothic MT"/>
+                            <a:cs typeface="News Gothic MT"/>
+                          </a:endParaRPr>
+                        </a:p>
+                      </a:txBody>
+                      <a:tcPr marL="4276" marR="4276" marT="4276" marB="0" anchor="ctr" anchorCtr="1">
+                        <a:lnL w="12700" cap="flat" cmpd="sng" algn="ctr">
+                          <a:solidFill>
+                            <a:scrgbClr r="0" g="0" b="0"/>
+                          </a:solidFill>
+                          <a:prstDash val="solid"/>
+                          <a:round/>
+                          <a:headEnd type="none" w="med" len="med"/>
+                          <a:tailEnd type="none" w="med" len="med"/>
+                        </a:lnL>
+                        <a:lnR w="12700" cap="flat" cmpd="sng" algn="ctr">
+                          <a:noFill/>
+                          <a:prstDash val="solid"/>
+                          <a:round/>
+                          <a:headEnd type="none" w="med" len="med"/>
+                          <a:tailEnd type="none" w="med" len="med"/>
+                        </a:lnR>
+                        <a:lnT w="12700" cap="flat" cmpd="sng" algn="ctr">
+                          <a:solidFill>
+                            <a:scrgbClr r="0" g="0" b="0"/>
+                          </a:solidFill>
+                          <a:prstDash val="solid"/>
+                          <a:round/>
+                          <a:headEnd type="none" w="med" len="med"/>
+                          <a:tailEnd type="none" w="med" len="med"/>
+                        </a:lnT>
+                        <a:lnB w="12700" cap="flat" cmpd="sng" algn="ctr">
+                          <a:noFill/>
+                          <a:prstDash val="solid"/>
+                          <a:round/>
+                          <a:headEnd type="none" w="med" len="med"/>
+                          <a:tailEnd type="none" w="med" len="med"/>
+                        </a:lnB>
+                      </a:tcPr>
+                    </a:tc>
+                  </a:tr>
+                </a:tbl>
+              </a:graphicData>
+            </a:graphic>
+          </p:graphicFrame>
+          <p:pic>
+            <p:nvPicPr>
+              <p:cNvPr id="48" name="Picture 47" descr="images.jpeg"/>
+              <p:cNvPicPr>
+                <a:picLocks noChangeAspect="1"/>
+              </p:cNvPicPr>
+              <p:nvPr/>
+            </p:nvPicPr>
+            <p:blipFill>
+              <a:blip r:embed="rId2">
+                <a:clrChange>
+                  <a:clrFrom>
+                    <a:srgbClr val="FEFEFE"/>
+                  </a:clrFrom>
+                  <a:clrTo>
+                    <a:srgbClr val="FEFEFE">
+                      <a:alpha val="0"/>
+                    </a:srgbClr>
+                  </a:clrTo>
+                </a:clrChange>
+              </a:blip>
+              <a:stretch>
+                <a:fillRect/>
+              </a:stretch>
+            </p:blipFill>
+            <p:spPr>
+              <a:xfrm>
+                <a:off x="6638643" y="4053578"/>
+                <a:ext cx="523324" cy="523323"/>
+              </a:xfrm>
+              <a:prstGeom prst="rect">
+                <a:avLst/>
+              </a:prstGeom>
+            </p:spPr>
+          </p:pic>
+        </p:grpSp>
+        <p:sp>
+          <p:nvSpPr>
+            <p:cNvPr id="51" name="Rectangle 50"/>
+            <p:cNvSpPr/>
+            <p:nvPr/>
+          </p:nvSpPr>
+          <p:spPr>
+            <a:xfrm>
+              <a:off x="1999588" y="3467484"/>
+              <a:ext cx="415498" cy="369332"/>
+            </a:xfrm>
+            <a:prstGeom prst="rect">
+              <a:avLst/>
+            </a:prstGeom>
+          </p:spPr>
+          <p:txBody>
+            <a:bodyPr wrap="none">
+              <a:spAutoFit/>
+            </a:bodyPr>
+            <a:lstStyle/>
+            <a:p>
+              <a:pPr algn="ctr"/>
+              <a:r>
+                <a:rPr lang="en-US" b="0" strike="noStrike" cap="none" dirty="0" smtClean="0">
+                  <a:solidFill>
+                    <a:schemeClr val="tx1"/>
+                  </a:solidFill>
+                  <a:latin typeface="Webdings"/>
+                  <a:ea typeface="Webdings"/>
+                  <a:cs typeface="Webdings"/>
+                  <a:sym typeface="Webdings"/>
+                </a:rPr>
+                <a:t></a:t>
+              </a:r>
+              <a:endParaRPr lang="en-US" b="0" strike="noStrike" cap="none" dirty="0">
+                <a:solidFill>
+                  <a:schemeClr val="tx1"/>
+                </a:solidFill>
+                <a:latin typeface="News Gothic MT"/>
+                <a:cs typeface="News Gothic MT"/>
+              </a:endParaRPr>
+            </a:p>
+          </p:txBody>
+        </p:sp>
+      </p:grpSp>
+      <p:grpSp>
+        <p:nvGrpSpPr>
+          <p:cNvPr id="59" name="Group 58"/>
+          <p:cNvGrpSpPr/>
+          <p:nvPr/>
+        </p:nvGrpSpPr>
+        <p:grpSpPr>
+          <a:xfrm>
+            <a:off x="3925731" y="3145255"/>
+            <a:ext cx="1775471" cy="2357986"/>
+            <a:chOff x="3925731" y="3337675"/>
+            <a:chExt cx="1775471" cy="2357986"/>
+          </a:xfrm>
+        </p:grpSpPr>
+        <p:grpSp>
+          <p:nvGrpSpPr>
+            <p:cNvPr id="53" name="Group 52"/>
+            <p:cNvGrpSpPr/>
+            <p:nvPr/>
+          </p:nvGrpSpPr>
+          <p:grpSpPr>
+            <a:xfrm>
+              <a:off x="3925731" y="3337675"/>
+              <a:ext cx="1775471" cy="2357986"/>
+              <a:chOff x="639615" y="3467484"/>
+              <a:chExt cx="1775471" cy="2357986"/>
+            </a:xfrm>
+          </p:grpSpPr>
+          <p:grpSp>
+            <p:nvGrpSpPr>
+              <p:cNvPr id="54" name="Group 53"/>
+              <p:cNvGrpSpPr/>
+              <p:nvPr/>
+            </p:nvGrpSpPr>
+            <p:grpSpPr>
+              <a:xfrm>
+                <a:off x="639615" y="3497504"/>
+                <a:ext cx="1746070" cy="2327966"/>
+                <a:chOff x="5428980" y="4053578"/>
+                <a:chExt cx="2556421" cy="3408371"/>
+              </a:xfrm>
+            </p:grpSpPr>
+            <p:graphicFrame>
+              <p:nvGraphicFramePr>
+                <p:cNvPr id="56" name="Content Placeholder 4"/>
+                <p:cNvGraphicFramePr>
+                  <a:graphicFrameLocks/>
+                </p:cNvGraphicFramePr>
+                <p:nvPr>
+                  <p:extLst>
+                    <p:ext uri="{D42A27DB-BD31-4B8C-83A1-F6EECF244321}">
+                      <p14:modId xmlns:p14="http://schemas.microsoft.com/office/powerpoint/2010/main" val="378290001"/>
+                    </p:ext>
+                  </p:extLst>
+                </p:nvPr>
+              </p:nvGraphicFramePr>
+              <p:xfrm>
+                <a:off x="5428980" y="4648201"/>
+                <a:ext cx="2556421" cy="2813748"/>
+              </p:xfrm>
+              <a:graphic>
+                <a:graphicData uri="http://schemas.openxmlformats.org/drawingml/2006/table">
+                  <a:tbl>
+                    <a:tblPr firstRow="1" firstCol="1">
+                      <a:tableStyleId>{5FD0F851-EC5A-4D38-B0AD-8093EC10F338}</a:tableStyleId>
+                    </a:tblPr>
+                    <a:tblGrid>
+                      <a:gridCol w="589378"/>
+                      <a:gridCol w="385564"/>
+                      <a:gridCol w="385564"/>
+                      <a:gridCol w="385564"/>
+                    </a:tblGrid>
+                    <a:tr h="489806">
+                      <a:tc>
+                        <a:txBody>
+                          <a:bodyPr/>
+                          <a:lstStyle/>
+                          <a:p>
+                            <a:pPr algn="r"/>
+                            <a:r>
+                              <a:rPr lang="en-US" sz="1200" b="0" strike="noStrike" cap="none" dirty="0" smtClean="0">
+                                <a:latin typeface="News Gothic MT"/>
+                                <a:cs typeface="News Gothic MT"/>
+                              </a:rPr>
+                              <a:t>there’s</a:t>
+                            </a:r>
+                            <a:endParaRPr lang="en-US" sz="1200" b="0" strike="noStrike" cap="none" dirty="0">
+                              <a:solidFill>
+                                <a:schemeClr val="tx1"/>
+                              </a:solidFill>
+                              <a:latin typeface="News Gothic MT"/>
+                              <a:cs typeface="News Gothic MT"/>
+                            </a:endParaRPr>
+                          </a:p>
+                        </a:txBody>
+                        <a:tcPr marL="41052" marR="41052" marT="20526" marB="20526" anchor="ctr" anchorCtr="1">
+                          <a:lnL w="12700" cap="flat" cmpd="sng" algn="ctr">
+                            <a:noFill/>
+                            <a:prstDash val="solid"/>
+                            <a:round/>
+                            <a:headEnd type="none" w="med" len="med"/>
+                            <a:tailEnd type="none" w="med" len="med"/>
+                          </a:lnL>
+                          <a:lnR w="12700" cap="flat" cmpd="sng" algn="ctr">
+                            <a:noFill/>
+                            <a:prstDash val="solid"/>
+                            <a:round/>
+                            <a:headEnd type="none" w="med" len="med"/>
+                            <a:tailEnd type="none" w="med" len="med"/>
+                          </a:lnR>
+                          <a:lnT w="12700" cap="flat" cmpd="sng" algn="ctr">
+                            <a:noFill/>
+                            <a:prstDash val="solid"/>
+                            <a:round/>
+                            <a:headEnd type="none" w="med" len="med"/>
+                            <a:tailEnd type="none" w="med" len="med"/>
+                          </a:lnT>
+                          <a:lnB w="12700" cap="flat" cmpd="sng" algn="ctr">
+                            <a:noFill/>
+                            <a:prstDash val="solid"/>
+                            <a:round/>
+                            <a:headEnd type="none" w="med" len="med"/>
+                            <a:tailEnd type="none" w="med" len="med"/>
+                          </a:lnB>
+                          <a:lnTlToBr w="12700" cmpd="sng">
+                            <a:noFill/>
+                            <a:prstDash val="solid"/>
+                          </a:lnTlToBr>
+                          <a:lnBlToTr w="12700" cmpd="sng">
+                            <a:noFill/>
+                            <a:prstDash val="solid"/>
+                          </a:lnBlToTr>
+                        </a:tcPr>
+                      </a:tc>
+                      <a:tc>
+                        <a:txBody>
+                          <a:bodyPr/>
+                          <a:lstStyle/>
+                          <a:p>
+                            <a:pPr algn="ctr" fontAlgn="t"/>
+                            <a:endParaRPr lang="en-US" sz="1200" b="0" i="0" u="none" strike="noStrike" cap="none" dirty="0">
+                              <a:solidFill>
+                                <a:schemeClr val="tx1"/>
+                              </a:solidFill>
+                              <a:latin typeface="News Gothic MT"/>
+                              <a:cs typeface="News Gothic MT"/>
+                            </a:endParaRPr>
+                          </a:p>
+                        </a:txBody>
+                        <a:tcPr marL="4276" marR="4276" marT="4276" marB="0" anchor="ctr" anchorCtr="1">
+                          <a:lnL w="12700" cap="flat" cmpd="sng" algn="ctr">
+                            <a:noFill/>
+                            <a:prstDash val="solid"/>
+                            <a:round/>
+                            <a:headEnd type="none" w="med" len="med"/>
+                            <a:tailEnd type="none" w="med" len="med"/>
+                          </a:lnL>
+                          <a:lnR w="12700" cap="flat" cmpd="sng" algn="ctr">
+                            <a:solidFill>
+                              <a:scrgbClr r="0" g="0" b="0"/>
+                            </a:solidFill>
+                            <a:prstDash val="solid"/>
+                            <a:round/>
+                            <a:headEnd type="none" w="med" len="med"/>
+                            <a:tailEnd type="none" w="med" len="med"/>
+                          </a:lnR>
+                          <a:lnT w="12700" cap="flat" cmpd="sng" algn="ctr">
+                            <a:noFill/>
+                            <a:prstDash val="solid"/>
+                            <a:round/>
+                            <a:headEnd type="none" w="med" len="med"/>
+                            <a:tailEnd type="none" w="med" len="med"/>
+                          </a:lnT>
+                          <a:lnB w="12700" cap="flat" cmpd="sng" algn="ctr">
+                            <a:solidFill>
+                              <a:scrgbClr r="0" g="0" b="0"/>
+                            </a:solidFill>
+                            <a:prstDash val="solid"/>
+                            <a:round/>
+                            <a:headEnd type="none" w="med" len="med"/>
+                            <a:tailEnd type="none" w="med" len="med"/>
+                          </a:lnB>
+                        </a:tcPr>
+                      </a:tc>
+                      <a:tc>
+                        <a:txBody>
+                          <a:bodyPr/>
+                          <a:lstStyle/>
+                          <a:p>
+                            <a:pPr algn="ctr" fontAlgn="t"/>
+                            <a:r>
+                              <a:rPr lang="en-US" sz="1200" b="0" u="none" strike="noStrike" cap="none" dirty="0">
+                                <a:latin typeface="News Gothic MT"/>
+                                <a:cs typeface="News Gothic MT"/>
+                              </a:rPr>
+                              <a:t> </a:t>
+                            </a:r>
+                            <a:endParaRPr lang="en-US" sz="1200" b="0" i="0" u="none" strike="noStrike" cap="none" dirty="0">
+                              <a:solidFill>
+                                <a:schemeClr val="tx1"/>
+                              </a:solidFill>
+                              <a:latin typeface="News Gothic MT"/>
+                              <a:cs typeface="News Gothic MT"/>
+                            </a:endParaRPr>
+                          </a:p>
+                        </a:txBody>
+                        <a:tcPr marL="4276" marR="4276" marT="4276" marB="0" anchor="ctr" anchorCtr="1">
+                          <a:lnL w="12700" cap="flat" cmpd="sng" algn="ctr">
+                            <a:solidFill>
+                              <a:scrgbClr r="0" g="0" b="0"/>
+                            </a:solidFill>
+                            <a:prstDash val="solid"/>
+                            <a:round/>
+                            <a:headEnd type="none" w="med" len="med"/>
+                            <a:tailEnd type="none" w="med" len="med"/>
+                          </a:lnL>
+                          <a:lnR w="12700" cap="flat" cmpd="sng" algn="ctr">
+                            <a:solidFill>
+                              <a:scrgbClr r="0" g="0" b="0"/>
+                            </a:solidFill>
+                            <a:prstDash val="solid"/>
+                            <a:round/>
+                            <a:headEnd type="none" w="med" len="med"/>
+                            <a:tailEnd type="none" w="med" len="med"/>
+                          </a:lnR>
+                          <a:lnT w="12700" cap="flat" cmpd="sng" algn="ctr">
+                            <a:noFill/>
+                            <a:prstDash val="solid"/>
+                            <a:round/>
+                            <a:headEnd type="none" w="med" len="med"/>
+                            <a:tailEnd type="none" w="med" len="med"/>
+                          </a:lnT>
+                          <a:lnB w="12700" cap="flat" cmpd="sng" algn="ctr">
+                            <a:solidFill>
+                              <a:scrgbClr r="0" g="0" b="0"/>
+                            </a:solidFill>
+                            <a:prstDash val="solid"/>
+                            <a:round/>
+                            <a:headEnd type="none" w="med" len="med"/>
+                            <a:tailEnd type="none" w="med" len="med"/>
+                          </a:lnB>
+                        </a:tcPr>
+                      </a:tc>
+                      <a:tc>
+                        <a:txBody>
+                          <a:bodyPr/>
+                          <a:lstStyle/>
+                          <a:p>
+                            <a:pPr algn="ctr" fontAlgn="t"/>
+                            <a:endParaRPr lang="en-US" sz="1200" b="0" i="0" u="none" strike="noStrike" cap="none" dirty="0">
+                              <a:solidFill>
+                                <a:schemeClr val="tx1"/>
+                              </a:solidFill>
+                              <a:latin typeface="News Gothic MT"/>
+                              <a:cs typeface="News Gothic MT"/>
+                            </a:endParaRPr>
+                          </a:p>
+                        </a:txBody>
+                        <a:tcPr marL="4276" marR="4276" marT="4276" marB="0" anchor="ctr" anchorCtr="1">
+                          <a:lnL w="12700" cap="flat" cmpd="sng" algn="ctr">
+                            <a:solidFill>
+                              <a:scrgbClr r="0" g="0" b="0"/>
+                            </a:solidFill>
+                            <a:prstDash val="solid"/>
+                            <a:round/>
+                            <a:headEnd type="none" w="med" len="med"/>
+                            <a:tailEnd type="none" w="med" len="med"/>
+                          </a:lnL>
+                          <a:lnR w="12700" cap="flat" cmpd="sng" algn="ctr">
+                            <a:noFill/>
+                            <a:prstDash val="solid"/>
+                            <a:round/>
+                            <a:headEnd type="none" w="med" len="med"/>
+                            <a:tailEnd type="none" w="med" len="med"/>
+                          </a:lnR>
+                          <a:lnT w="12700" cap="flat" cmpd="sng" algn="ctr">
+                            <a:noFill/>
+                            <a:prstDash val="solid"/>
+                            <a:round/>
+                            <a:headEnd type="none" w="med" len="med"/>
+                            <a:tailEnd type="none" w="med" len="med"/>
+                          </a:lnT>
+                          <a:lnB w="12700" cap="flat" cmpd="sng" algn="ctr">
+                            <a:solidFill>
+                              <a:scrgbClr r="0" g="0" b="0"/>
+                            </a:solidFill>
+                            <a:prstDash val="solid"/>
+                            <a:round/>
+                            <a:headEnd type="none" w="med" len="med"/>
+                            <a:tailEnd type="none" w="med" len="med"/>
+                          </a:lnB>
+                        </a:tcPr>
+                      </a:tc>
+                    </a:tr>
+                    <a:tr h="489806">
+                      <a:tc>
+                        <a:txBody>
+                          <a:bodyPr/>
+                          <a:lstStyle/>
+                          <a:p>
+                            <a:pPr algn="r"/>
+                            <a:r>
+                              <a:rPr lang="en-US" sz="1200" b="0" strike="noStrike" cap="none" dirty="0" smtClean="0">
+                                <a:solidFill>
+                                  <a:schemeClr val="tx1"/>
+                                </a:solidFill>
+                                <a:latin typeface="News Gothic MT"/>
+                                <a:cs typeface="News Gothic MT"/>
+                              </a:rPr>
+                              <a:t>a</a:t>
+                            </a:r>
+                            <a:endParaRPr lang="en-US" sz="1200" b="0" strike="noStrike" cap="none" dirty="0">
+                              <a:solidFill>
+                                <a:schemeClr val="tx1"/>
+                              </a:solidFill>
+                              <a:latin typeface="News Gothic MT"/>
+                              <a:cs typeface="News Gothic MT"/>
+                            </a:endParaRPr>
+                          </a:p>
+                        </a:txBody>
+                        <a:tcPr marL="41052" marR="41052" marT="20526" marB="20526" anchor="ctr" anchorCtr="1">
+                          <a:lnL w="12700" cap="flat" cmpd="sng" algn="ctr">
+                            <a:noFill/>
+                            <a:prstDash val="solid"/>
+                            <a:round/>
+                            <a:headEnd type="none" w="med" len="med"/>
+                            <a:tailEnd type="none" w="med" len="med"/>
+                          </a:lnL>
+                          <a:lnR w="12700" cap="flat" cmpd="sng" algn="ctr">
+                            <a:noFill/>
+                            <a:prstDash val="solid"/>
+                            <a:round/>
+                            <a:headEnd type="none" w="med" len="med"/>
+                            <a:tailEnd type="none" w="med" len="med"/>
+                          </a:lnR>
+                          <a:lnT w="12700" cap="flat" cmpd="sng" algn="ctr">
+                            <a:noFill/>
+                            <a:prstDash val="solid"/>
+                            <a:round/>
+                            <a:headEnd type="none" w="med" len="med"/>
+                            <a:tailEnd type="none" w="med" len="med"/>
+                          </a:lnT>
+                          <a:lnB w="12700" cap="flat" cmpd="sng" algn="ctr">
+                            <a:noFill/>
+                            <a:prstDash val="solid"/>
+                            <a:round/>
+                            <a:headEnd type="none" w="med" len="med"/>
+                            <a:tailEnd type="none" w="med" len="med"/>
+                          </a:lnB>
+                          <a:lnTlToBr w="12700" cmpd="sng">
+                            <a:noFill/>
+                            <a:prstDash val="solid"/>
+                          </a:lnTlToBr>
+                          <a:lnBlToTr w="12700" cmpd="sng">
+                            <a:noFill/>
+                            <a:prstDash val="solid"/>
+                          </a:lnBlToTr>
+                        </a:tcPr>
+                      </a:tc>
+                      <a:tc>
+                        <a:txBody>
+                          <a:bodyPr/>
+                          <a:lstStyle/>
+                          <a:p>
+                            <a:pPr algn="ctr" fontAlgn="t"/>
+                            <a:endParaRPr lang="en-US" sz="1200" b="0" i="0" u="none" strike="noStrike" cap="none" dirty="0">
+                              <a:solidFill>
+                                <a:schemeClr val="tx1"/>
+                              </a:solidFill>
+                              <a:latin typeface="News Gothic MT"/>
+                              <a:cs typeface="News Gothic MT"/>
+                            </a:endParaRPr>
+                          </a:p>
+                        </a:txBody>
+                        <a:tcPr marL="4276" marR="4276" marT="4276" marB="0" anchor="ctr" anchorCtr="1">
+                          <a:lnL w="12700" cap="flat" cmpd="sng" algn="ctr">
+                            <a:noFill/>
+                            <a:prstDash val="solid"/>
+                            <a:round/>
+                            <a:headEnd type="none" w="med" len="med"/>
+                            <a:tailEnd type="none" w="med" len="med"/>
+                          </a:lnL>
+                          <a:lnR w="12700" cap="flat" cmpd="sng" algn="ctr">
+                            <a:solidFill>
+                              <a:scrgbClr r="0" g="0" b="0"/>
+                            </a:solidFill>
+                            <a:prstDash val="solid"/>
+                            <a:round/>
+                            <a:headEnd type="none" w="med" len="med"/>
+                            <a:tailEnd type="none" w="med" len="med"/>
+                          </a:lnR>
+                          <a:lnT w="12700" cap="flat" cmpd="sng" algn="ctr">
+                            <a:solidFill>
+                              <a:scrgbClr r="0" g="0" b="0"/>
+                            </a:solidFill>
+                            <a:prstDash val="solid"/>
+                            <a:round/>
+                            <a:headEnd type="none" w="med" len="med"/>
+                            <a:tailEnd type="none" w="med" len="med"/>
+                          </a:lnT>
+                          <a:lnB w="12700" cap="flat" cmpd="sng" algn="ctr">
+                            <a:solidFill>
+                              <a:scrgbClr r="0" g="0" b="0"/>
+                            </a:solidFill>
+                            <a:prstDash val="solid"/>
+                            <a:round/>
+                            <a:headEnd type="none" w="med" len="med"/>
+                            <a:tailEnd type="none" w="med" len="med"/>
+                          </a:lnB>
+                        </a:tcPr>
+                      </a:tc>
+                      <a:tc>
+                        <a:txBody>
+                          <a:bodyPr/>
+                          <a:lstStyle/>
+                          <a:p>
+                            <a:pPr algn="ctr" fontAlgn="t"/>
+                            <a:endParaRPr lang="en-US" sz="1200" b="0" i="0" u="none" strike="noStrike" cap="none" dirty="0">
+                              <a:solidFill>
+                                <a:schemeClr val="tx1"/>
+                              </a:solidFill>
+                              <a:latin typeface="News Gothic MT"/>
+                              <a:cs typeface="News Gothic MT"/>
+                            </a:endParaRPr>
+                          </a:p>
+                        </a:txBody>
+                        <a:tcPr marL="4276" marR="4276" marT="4276" marB="0" anchor="ctr" anchorCtr="1">
+                          <a:lnL w="12700" cap="flat" cmpd="sng" algn="ctr">
+                            <a:solidFill>
+                              <a:scrgbClr r="0" g="0" b="0"/>
+                            </a:solidFill>
+                            <a:prstDash val="solid"/>
+                            <a:round/>
+                            <a:headEnd type="none" w="med" len="med"/>
+                            <a:tailEnd type="none" w="med" len="med"/>
+                          </a:lnL>
+                          <a:lnR w="12700" cap="flat" cmpd="sng" algn="ctr">
+                            <a:solidFill>
+                              <a:scrgbClr r="0" g="0" b="0"/>
+                            </a:solidFill>
+                            <a:prstDash val="solid"/>
+                            <a:round/>
+                            <a:headEnd type="none" w="med" len="med"/>
+                            <a:tailEnd type="none" w="med" len="med"/>
+                          </a:lnR>
+                          <a:lnT w="12700" cap="flat" cmpd="sng" algn="ctr">
+                            <a:solidFill>
+                              <a:scrgbClr r="0" g="0" b="0"/>
+                            </a:solidFill>
+                            <a:prstDash val="solid"/>
+                            <a:round/>
+                            <a:headEnd type="none" w="med" len="med"/>
+                            <a:tailEnd type="none" w="med" len="med"/>
+                          </a:lnT>
+                          <a:lnB w="12700" cap="flat" cmpd="sng" algn="ctr">
+                            <a:solidFill>
+                              <a:scrgbClr r="0" g="0" b="0"/>
+                            </a:solidFill>
+                            <a:prstDash val="solid"/>
+                            <a:round/>
+                            <a:headEnd type="none" w="med" len="med"/>
+                            <a:tailEnd type="none" w="med" len="med"/>
+                          </a:lnB>
+                        </a:tcPr>
+                      </a:tc>
+                      <a:tc>
+                        <a:txBody>
+                          <a:bodyPr/>
+                          <a:lstStyle/>
+                          <a:p>
+                            <a:pPr algn="ctr" fontAlgn="t"/>
+                            <a:endParaRPr lang="en-US" sz="1200" b="0" i="0" u="none" strike="noStrike" cap="none" dirty="0">
+                              <a:solidFill>
+                                <a:schemeClr val="tx1"/>
+                              </a:solidFill>
+                              <a:latin typeface="News Gothic MT"/>
+                              <a:cs typeface="News Gothic MT"/>
+                            </a:endParaRPr>
+                          </a:p>
+                        </a:txBody>
+                        <a:tcPr marL="4276" marR="4276" marT="4276" marB="0" anchor="ctr" anchorCtr="1">
+                          <a:lnL w="12700" cap="flat" cmpd="sng" algn="ctr">
+                            <a:solidFill>
+                              <a:scrgbClr r="0" g="0" b="0"/>
+                            </a:solidFill>
+                            <a:prstDash val="solid"/>
+                            <a:round/>
+                            <a:headEnd type="none" w="med" len="med"/>
+                            <a:tailEnd type="none" w="med" len="med"/>
+                          </a:lnL>
+                          <a:lnR w="12700" cap="flat" cmpd="sng" algn="ctr">
+                            <a:noFill/>
+                            <a:prstDash val="solid"/>
+                            <a:round/>
+                            <a:headEnd type="none" w="med" len="med"/>
+                            <a:tailEnd type="none" w="med" len="med"/>
+                          </a:lnR>
+                          <a:lnT w="12700" cap="flat" cmpd="sng" algn="ctr">
+                            <a:solidFill>
+                              <a:scrgbClr r="0" g="0" b="0"/>
+                            </a:solidFill>
+                            <a:prstDash val="solid"/>
+                            <a:round/>
+                            <a:headEnd type="none" w="med" len="med"/>
+                            <a:tailEnd type="none" w="med" len="med"/>
+                          </a:lnT>
+                          <a:lnB w="12700" cap="flat" cmpd="sng" algn="ctr">
+                            <a:solidFill>
+                              <a:scrgbClr r="0" g="0" b="0"/>
+                            </a:solidFill>
+                            <a:prstDash val="solid"/>
+                            <a:round/>
+                            <a:headEnd type="none" w="med" len="med"/>
+                            <a:tailEnd type="none" w="med" len="med"/>
+                          </a:lnB>
+                        </a:tcPr>
+                      </a:tc>
+                    </a:tr>
+                    <a:tr h="471109">
+                      <a:tc>
+                        <a:txBody>
+                          <a:bodyPr/>
+                          <a:lstStyle/>
+                          <a:p>
+                            <a:pPr algn="r"/>
+                            <a:r>
+                              <a:rPr lang="en-US" sz="1200" b="0" strike="noStrike" cap="none" dirty="0" smtClean="0">
+                                <a:latin typeface="News Gothic MT"/>
+                                <a:cs typeface="News Gothic MT"/>
+                              </a:rPr>
+                              <a:t>dog</a:t>
+                            </a:r>
+                            <a:endParaRPr lang="en-US" sz="1200" b="0" strike="noStrike" cap="none" dirty="0">
+                              <a:solidFill>
+                                <a:schemeClr val="tx1"/>
+                              </a:solidFill>
+                              <a:latin typeface="News Gothic MT"/>
+                              <a:cs typeface="News Gothic MT"/>
+                            </a:endParaRPr>
+                          </a:p>
+                        </a:txBody>
+                        <a:tcPr marL="41052" marR="41052" marT="20526" marB="20526" anchor="ctr" anchorCtr="1">
+                          <a:lnL w="12700" cap="flat" cmpd="sng" algn="ctr">
+                            <a:noFill/>
+                            <a:prstDash val="solid"/>
+                            <a:round/>
+                            <a:headEnd type="none" w="med" len="med"/>
+                            <a:tailEnd type="none" w="med" len="med"/>
+                          </a:lnL>
+                          <a:lnR w="12700" cap="flat" cmpd="sng" algn="ctr">
+                            <a:noFill/>
+                            <a:prstDash val="solid"/>
+                            <a:round/>
+                            <a:headEnd type="none" w="med" len="med"/>
+                            <a:tailEnd type="none" w="med" len="med"/>
+                          </a:lnR>
+                          <a:lnT w="12700" cap="flat" cmpd="sng" algn="ctr">
+                            <a:noFill/>
+                            <a:prstDash val="solid"/>
+                            <a:round/>
+                            <a:headEnd type="none" w="med" len="med"/>
+                            <a:tailEnd type="none" w="med" len="med"/>
+                          </a:lnT>
+                          <a:lnB w="12700" cap="flat" cmpd="sng" algn="ctr">
+                            <a:noFill/>
+                            <a:prstDash val="solid"/>
+                            <a:round/>
+                            <a:headEnd type="none" w="med" len="med"/>
+                            <a:tailEnd type="none" w="med" len="med"/>
+                          </a:lnB>
+                          <a:lnTlToBr w="12700" cmpd="sng">
+                            <a:noFill/>
+                            <a:prstDash val="solid"/>
+                          </a:lnTlToBr>
+                          <a:lnBlToTr w="12700" cmpd="sng">
+                            <a:noFill/>
+                            <a:prstDash val="solid"/>
+                          </a:lnBlToTr>
+                        </a:tcPr>
+                      </a:tc>
+                      <a:tc>
+                        <a:txBody>
+                          <a:bodyPr/>
+                          <a:lstStyle/>
+                          <a:p>
+                            <a:pPr algn="ctr" rtl="0" fontAlgn="t"/>
+                            <a:r>
+                              <a:rPr lang="en-US" sz="1200" b="1" i="0" u="none" strike="noStrike" cap="none" dirty="0" smtClean="0">
+                                <a:solidFill>
+                                  <a:schemeClr val="tx1"/>
+                                </a:solidFill>
+                                <a:latin typeface="News Gothic MT"/>
+                                <a:cs typeface="News Gothic MT"/>
+                              </a:rPr>
+                              <a:t>X</a:t>
+                            </a:r>
+                            <a:endParaRPr lang="en-US" sz="1200" b="1" i="0" u="none" strike="noStrike" cap="none" dirty="0">
+                              <a:solidFill>
+                                <a:schemeClr val="tx1"/>
+                              </a:solidFill>
+                              <a:latin typeface="News Gothic MT"/>
+                              <a:cs typeface="News Gothic MT"/>
+                            </a:endParaRPr>
+                          </a:p>
+                        </a:txBody>
+                        <a:tcPr marL="4276" marR="4276" marT="4276" marB="0" anchor="ctr" anchorCtr="1">
+                          <a:lnL w="12700" cap="flat" cmpd="sng" algn="ctr">
+                            <a:noFill/>
+                            <a:prstDash val="solid"/>
+                            <a:round/>
+                            <a:headEnd type="none" w="med" len="med"/>
+                            <a:tailEnd type="none" w="med" len="med"/>
+                          </a:lnL>
+                          <a:lnR w="12700" cap="flat" cmpd="sng" algn="ctr">
+                            <a:solidFill>
+                              <a:scrgbClr r="0" g="0" b="0"/>
+                            </a:solidFill>
+                            <a:prstDash val="solid"/>
+                            <a:round/>
+                            <a:headEnd type="none" w="med" len="med"/>
+                            <a:tailEnd type="none" w="med" len="med"/>
+                          </a:lnR>
+                          <a:lnT w="12700" cap="flat" cmpd="sng" algn="ctr">
+                            <a:solidFill>
+                              <a:scrgbClr r="0" g="0" b="0"/>
+                            </a:solidFill>
+                            <a:prstDash val="solid"/>
+                            <a:round/>
+                            <a:headEnd type="none" w="med" len="med"/>
+                            <a:tailEnd type="none" w="med" len="med"/>
+                          </a:lnT>
+                          <a:lnB w="12700" cap="flat" cmpd="sng" algn="ctr">
+                            <a:solidFill>
+                              <a:scrgbClr r="0" g="0" b="0"/>
+                            </a:solidFill>
+                            <a:prstDash val="solid"/>
+                            <a:round/>
+                            <a:headEnd type="none" w="med" len="med"/>
+                            <a:tailEnd type="none" w="med" len="med"/>
+                          </a:lnB>
+                        </a:tcPr>
+                      </a:tc>
+                      <a:tc>
+                        <a:txBody>
+                          <a:bodyPr/>
+                          <a:lstStyle/>
+                          <a:p>
+                            <a:pPr algn="ctr" rtl="0" fontAlgn="t"/>
+                            <a:endParaRPr lang="en-US" sz="1200" b="0" i="0" u="none" strike="noStrike" cap="none" dirty="0">
+                              <a:solidFill>
+                                <a:schemeClr val="tx1"/>
+                              </a:solidFill>
+                              <a:latin typeface="News Gothic MT"/>
+                              <a:cs typeface="News Gothic MT"/>
+                            </a:endParaRPr>
+                          </a:p>
+                        </a:txBody>
+                        <a:tcPr marL="4276" marR="4276" marT="4276" marB="0" anchor="ctr" anchorCtr="1">
+                          <a:lnL w="12700" cap="flat" cmpd="sng" algn="ctr">
+                            <a:solidFill>
+                              <a:scrgbClr r="0" g="0" b="0"/>
+                            </a:solidFill>
+                            <a:prstDash val="solid"/>
+                            <a:round/>
+                            <a:headEnd type="none" w="med" len="med"/>
+                            <a:tailEnd type="none" w="med" len="med"/>
+                          </a:lnL>
+                          <a:lnR w="12700" cap="flat" cmpd="sng" algn="ctr">
+                            <a:solidFill>
+                              <a:scrgbClr r="0" g="0" b="0"/>
+                            </a:solidFill>
+                            <a:prstDash val="solid"/>
+                            <a:round/>
+                            <a:headEnd type="none" w="med" len="med"/>
+                            <a:tailEnd type="none" w="med" len="med"/>
+                          </a:lnR>
+                          <a:lnT w="12700" cap="flat" cmpd="sng" algn="ctr">
+                            <a:solidFill>
+                              <a:scrgbClr r="0" g="0" b="0"/>
+                            </a:solidFill>
+                            <a:prstDash val="solid"/>
+                            <a:round/>
+                            <a:headEnd type="none" w="med" len="med"/>
+                            <a:tailEnd type="none" w="med" len="med"/>
+                          </a:lnT>
+                          <a:lnB w="12700" cap="flat" cmpd="sng" algn="ctr">
+                            <a:solidFill>
+                              <a:scrgbClr r="0" g="0" b="0"/>
+                            </a:solidFill>
+                            <a:prstDash val="solid"/>
+                            <a:round/>
+                            <a:headEnd type="none" w="med" len="med"/>
+                            <a:tailEnd type="none" w="med" len="med"/>
+                          </a:lnB>
+                        </a:tcPr>
+                      </a:tc>
+                      <a:tc>
+                        <a:txBody>
+                          <a:bodyPr/>
+                          <a:lstStyle/>
+                          <a:p>
+                            <a:pPr algn="ctr" rtl="0" fontAlgn="t"/>
+                            <a:endParaRPr lang="en-US" sz="1200" b="0" i="0" u="none" strike="noStrike" cap="none" dirty="0">
+                              <a:solidFill>
+                                <a:schemeClr val="tx1"/>
+                              </a:solidFill>
+                              <a:latin typeface="News Gothic MT"/>
+                              <a:cs typeface="News Gothic MT"/>
+                            </a:endParaRPr>
+                          </a:p>
+                        </a:txBody>
+                        <a:tcPr marL="4276" marR="4276" marT="4276" marB="0" anchor="ctr" anchorCtr="1">
+                          <a:lnL w="12700" cap="flat" cmpd="sng" algn="ctr">
+                            <a:solidFill>
+                              <a:scrgbClr r="0" g="0" b="0"/>
+                            </a:solidFill>
+                            <a:prstDash val="solid"/>
+                            <a:round/>
+                            <a:headEnd type="none" w="med" len="med"/>
+                            <a:tailEnd type="none" w="med" len="med"/>
+                          </a:lnL>
+                          <a:lnR w="12700" cap="flat" cmpd="sng" algn="ctr">
+                            <a:noFill/>
+                            <a:prstDash val="solid"/>
+                            <a:round/>
+                            <a:headEnd type="none" w="med" len="med"/>
+                            <a:tailEnd type="none" w="med" len="med"/>
+                          </a:lnR>
+                          <a:lnT w="12700" cap="flat" cmpd="sng" algn="ctr">
+                            <a:solidFill>
+                              <a:scrgbClr r="0" g="0" b="0"/>
+                            </a:solidFill>
+                            <a:prstDash val="solid"/>
+                            <a:round/>
+                            <a:headEnd type="none" w="med" len="med"/>
+                            <a:tailEnd type="none" w="med" len="med"/>
+                          </a:lnT>
+                          <a:lnB w="12700" cap="flat" cmpd="sng" algn="ctr">
+                            <a:solidFill>
+                              <a:scrgbClr r="0" g="0" b="0"/>
+                            </a:solidFill>
+                            <a:prstDash val="solid"/>
+                            <a:round/>
+                            <a:headEnd type="none" w="med" len="med"/>
+                            <a:tailEnd type="none" w="med" len="med"/>
+                          </a:lnB>
+                        </a:tcPr>
+                      </a:tc>
+                    </a:tr>
+                    <a:tr h="471109">
+                      <a:tc>
+                        <a:txBody>
+                          <a:bodyPr/>
+                          <a:lstStyle/>
+                          <a:p>
+                            <a:pPr algn="r"/>
+                            <a:r>
+                              <a:rPr lang="en-US" sz="1200" b="0" strike="noStrike" cap="none" dirty="0" smtClean="0">
+                                <a:solidFill>
+                                  <a:schemeClr val="tx1"/>
+                                </a:solidFill>
+                                <a:latin typeface="Webdings"/>
+                                <a:ea typeface="Webdings"/>
+                                <a:cs typeface="Webdings"/>
+                                <a:sym typeface="Webdings"/>
+                              </a:rPr>
+                              <a:t></a:t>
+                            </a:r>
+                            <a:endParaRPr lang="en-US" sz="1200" b="0" strike="noStrike" cap="none" dirty="0">
+                              <a:solidFill>
+                                <a:schemeClr val="tx1"/>
+                              </a:solidFill>
+                              <a:latin typeface="News Gothic MT"/>
+                              <a:cs typeface="News Gothic MT"/>
+                            </a:endParaRPr>
+                          </a:p>
+                        </a:txBody>
+                        <a:tcPr marL="41052" marR="41052" marT="20526" marB="20526" anchor="ctr" anchorCtr="1">
+                          <a:lnL w="12700" cap="flat" cmpd="sng" algn="ctr">
+                            <a:noFill/>
+                            <a:prstDash val="solid"/>
+                            <a:round/>
+                            <a:headEnd type="none" w="med" len="med"/>
+                            <a:tailEnd type="none" w="med" len="med"/>
+                          </a:lnL>
+                          <a:lnR w="12700" cap="flat" cmpd="sng" algn="ctr">
+                            <a:noFill/>
+                            <a:prstDash val="solid"/>
+                            <a:round/>
+                            <a:headEnd type="none" w="med" len="med"/>
+                            <a:tailEnd type="none" w="med" len="med"/>
+                          </a:lnR>
+                          <a:lnT w="12700" cap="flat" cmpd="sng" algn="ctr">
+                            <a:noFill/>
+                            <a:prstDash val="solid"/>
+                            <a:round/>
+                            <a:headEnd type="none" w="med" len="med"/>
+                            <a:tailEnd type="none" w="med" len="med"/>
+                          </a:lnT>
+                          <a:lnB w="12700" cap="flat" cmpd="sng" algn="ctr">
+                            <a:noFill/>
+                            <a:prstDash val="solid"/>
+                            <a:round/>
+                            <a:headEnd type="none" w="med" len="med"/>
+                            <a:tailEnd type="none" w="med" len="med"/>
+                          </a:lnB>
+                          <a:lnTlToBr w="12700" cmpd="sng">
+                            <a:noFill/>
+                            <a:prstDash val="solid"/>
+                          </a:lnTlToBr>
+                          <a:lnBlToTr w="12700" cmpd="sng">
+                            <a:noFill/>
+                            <a:prstDash val="solid"/>
+                          </a:lnBlToTr>
+                        </a:tcPr>
+                      </a:tc>
+                      <a:tc>
+                        <a:txBody>
+                          <a:bodyPr/>
+                          <a:lstStyle/>
+                          <a:p>
+                            <a:pPr algn="ctr" rtl="0" fontAlgn="t"/>
+                            <a:endParaRPr lang="en-US" sz="1200" b="0" i="0" u="none" strike="noStrike" cap="none" dirty="0">
+                              <a:solidFill>
+                                <a:schemeClr val="tx1"/>
+                              </a:solidFill>
+                              <a:latin typeface="News Gothic MT"/>
+                              <a:cs typeface="News Gothic MT"/>
+                            </a:endParaRPr>
+                          </a:p>
+                        </a:txBody>
+                        <a:tcPr marL="4276" marR="4276" marT="4276" marB="0" anchor="ctr" anchorCtr="1">
+                          <a:lnL w="12700" cap="flat" cmpd="sng" algn="ctr">
+                            <a:noFill/>
+                            <a:prstDash val="solid"/>
+                            <a:round/>
+                            <a:headEnd type="none" w="med" len="med"/>
+                            <a:tailEnd type="none" w="med" len="med"/>
+                          </a:lnL>
+                          <a:lnR w="12700" cap="flat" cmpd="sng" algn="ctr">
+                            <a:solidFill>
+                              <a:scrgbClr r="0" g="0" b="0"/>
+                            </a:solidFill>
+                            <a:prstDash val="solid"/>
+                            <a:round/>
+                            <a:headEnd type="none" w="med" len="med"/>
+                            <a:tailEnd type="none" w="med" len="med"/>
+                          </a:lnR>
+                          <a:lnT w="12700" cap="flat" cmpd="sng" algn="ctr">
+                            <a:solidFill>
+                              <a:scrgbClr r="0" g="0" b="0"/>
+                            </a:solidFill>
+                            <a:prstDash val="solid"/>
+                            <a:round/>
+                            <a:headEnd type="none" w="med" len="med"/>
+                            <a:tailEnd type="none" w="med" len="med"/>
+                          </a:lnT>
+                          <a:lnB w="12700" cap="flat" cmpd="sng" algn="ctr">
+                            <a:noFill/>
+                            <a:prstDash val="solid"/>
+                            <a:round/>
+                            <a:headEnd type="none" w="med" len="med"/>
+                            <a:tailEnd type="none" w="med" len="med"/>
+                          </a:lnB>
+                        </a:tcPr>
+                      </a:tc>
+                      <a:tc>
+                        <a:txBody>
+                          <a:bodyPr/>
+                          <a:lstStyle/>
+                          <a:p>
+                            <a:pPr algn="ctr" rtl="0" fontAlgn="t"/>
+                            <a:endParaRPr lang="en-US" sz="1200" b="0" i="0" u="none" strike="noStrike" cap="none" dirty="0">
+                              <a:solidFill>
+                                <a:schemeClr val="tx1"/>
+                              </a:solidFill>
+                              <a:latin typeface="News Gothic MT"/>
+                              <a:cs typeface="News Gothic MT"/>
+                            </a:endParaRPr>
+                          </a:p>
+                        </a:txBody>
+                        <a:tcPr marL="4276" marR="4276" marT="4276" marB="0" anchor="ctr" anchorCtr="1">
+                          <a:lnL w="12700" cap="flat" cmpd="sng" algn="ctr">
+                            <a:solidFill>
+                              <a:scrgbClr r="0" g="0" b="0"/>
+                            </a:solidFill>
+                            <a:prstDash val="solid"/>
+                            <a:round/>
+                            <a:headEnd type="none" w="med" len="med"/>
+                            <a:tailEnd type="none" w="med" len="med"/>
+                          </a:lnL>
+                          <a:lnR w="12700" cap="flat" cmpd="sng" algn="ctr">
+                            <a:solidFill>
+                              <a:scrgbClr r="0" g="0" b="0"/>
+                            </a:solidFill>
+                            <a:prstDash val="solid"/>
+                            <a:round/>
+                            <a:headEnd type="none" w="med" len="med"/>
+                            <a:tailEnd type="none" w="med" len="med"/>
+                          </a:lnR>
+                          <a:lnT w="12700" cap="flat" cmpd="sng" algn="ctr">
+                            <a:solidFill>
+                              <a:scrgbClr r="0" g="0" b="0"/>
+                            </a:solidFill>
+                            <a:prstDash val="solid"/>
+                            <a:round/>
+                            <a:headEnd type="none" w="med" len="med"/>
+                            <a:tailEnd type="none" w="med" len="med"/>
+                          </a:lnT>
+                          <a:lnB w="12700" cap="flat" cmpd="sng" algn="ctr">
+                            <a:noFill/>
+                            <a:prstDash val="solid"/>
+                            <a:round/>
+                            <a:headEnd type="none" w="med" len="med"/>
+                            <a:tailEnd type="none" w="med" len="med"/>
+                          </a:lnB>
+                        </a:tcPr>
+                      </a:tc>
+                      <a:tc>
+                        <a:txBody>
+                          <a:bodyPr/>
+                          <a:lstStyle/>
+                          <a:p>
+                            <a:pPr algn="ctr" rtl="0" fontAlgn="t"/>
+                            <a:endParaRPr lang="en-US" sz="1200" b="0" i="0" u="none" strike="noStrike" cap="none" dirty="0">
+                              <a:solidFill>
+                                <a:schemeClr val="tx1"/>
+                              </a:solidFill>
+                              <a:latin typeface="News Gothic MT"/>
+                              <a:cs typeface="News Gothic MT"/>
+                            </a:endParaRPr>
+                          </a:p>
+                        </a:txBody>
+                        <a:tcPr marL="4276" marR="4276" marT="4276" marB="0" anchor="ctr" anchorCtr="1">
+                          <a:lnL w="12700" cap="flat" cmpd="sng" algn="ctr">
+                            <a:solidFill>
+                              <a:scrgbClr r="0" g="0" b="0"/>
+                            </a:solidFill>
+                            <a:prstDash val="solid"/>
+                            <a:round/>
+                            <a:headEnd type="none" w="med" len="med"/>
+                            <a:tailEnd type="none" w="med" len="med"/>
+                          </a:lnL>
+                          <a:lnR w="12700" cap="flat" cmpd="sng" algn="ctr">
+                            <a:noFill/>
+                            <a:prstDash val="solid"/>
+                            <a:round/>
+                            <a:headEnd type="none" w="med" len="med"/>
+                            <a:tailEnd type="none" w="med" len="med"/>
+                          </a:lnR>
+                          <a:lnT w="12700" cap="flat" cmpd="sng" algn="ctr">
+                            <a:solidFill>
+                              <a:scrgbClr r="0" g="0" b="0"/>
+                            </a:solidFill>
+                            <a:prstDash val="solid"/>
+                            <a:round/>
+                            <a:headEnd type="none" w="med" len="med"/>
+                            <a:tailEnd type="none" w="med" len="med"/>
+                          </a:lnT>
+                          <a:lnB w="12700" cap="flat" cmpd="sng" algn="ctr">
+                            <a:noFill/>
+                            <a:prstDash val="solid"/>
+                            <a:round/>
+                            <a:headEnd type="none" w="med" len="med"/>
+                            <a:tailEnd type="none" w="med" len="med"/>
+                          </a:lnB>
+                        </a:tcPr>
+                      </a:tc>
+                    </a:tr>
+                  </a:tbl>
+                </a:graphicData>
+              </a:graphic>
+            </p:graphicFrame>
+            <p:pic>
+              <p:nvPicPr>
+                <p:cNvPr id="57" name="Picture 56" descr="images.jpeg"/>
+                <p:cNvPicPr>
+                  <a:picLocks noChangeAspect="1"/>
+                </p:cNvPicPr>
+                <p:nvPr/>
+              </p:nvPicPr>
+              <p:blipFill>
+                <a:blip r:embed="rId2">
+                  <a:clrChange>
+                    <a:clrFrom>
+                      <a:srgbClr val="FEFEFE"/>
+                    </a:clrFrom>
+                    <a:clrTo>
+                      <a:srgbClr val="FEFEFE">
+                        <a:alpha val="0"/>
+                      </a:srgbClr>
+                    </a:clrTo>
+                  </a:clrChange>
+                </a:blip>
+                <a:stretch>
+                  <a:fillRect/>
+                </a:stretch>
+              </p:blipFill>
+              <p:spPr>
+                <a:xfrm>
+                  <a:off x="6319333" y="4053578"/>
+                  <a:ext cx="523324" cy="523323"/>
+                </a:xfrm>
+                <a:prstGeom prst="rect">
+                  <a:avLst/>
+                </a:prstGeom>
+              </p:spPr>
+            </p:pic>
+          </p:grpSp>
+          <p:sp>
+            <p:nvSpPr>
+              <p:cNvPr id="55" name="Rectangle 54"/>
+              <p:cNvSpPr/>
+              <p:nvPr/>
+            </p:nvSpPr>
+            <p:spPr>
+              <a:xfrm>
+                <a:off x="1999588" y="3467484"/>
+                <a:ext cx="415498" cy="369332"/>
+              </a:xfrm>
+              <a:prstGeom prst="rect">
+                <a:avLst/>
+              </a:prstGeom>
+            </p:spPr>
+            <p:txBody>
+              <a:bodyPr wrap="none">
+                <a:spAutoFit/>
+              </a:bodyPr>
+              <a:lstStyle/>
+              <a:p>
+                <a:pPr algn="ctr"/>
+                <a:r>
+                  <a:rPr lang="en-US" b="0" strike="noStrike" cap="none" dirty="0" smtClean="0">
+                    <a:solidFill>
+                      <a:schemeClr val="tx1"/>
+                    </a:solidFill>
+                    <a:latin typeface="Webdings"/>
+                    <a:ea typeface="Webdings"/>
+                    <a:cs typeface="Webdings"/>
+                    <a:sym typeface="Webdings"/>
+                  </a:rPr>
+                  <a:t></a:t>
+                </a:r>
+                <a:endParaRPr lang="en-US" b="0" strike="noStrike" cap="none" dirty="0">
+                  <a:solidFill>
+                    <a:schemeClr val="tx1"/>
+                  </a:solidFill>
+                  <a:latin typeface="News Gothic MT"/>
+                  <a:cs typeface="News Gothic MT"/>
+                </a:endParaRPr>
+              </a:p>
+            </p:txBody>
+          </p:sp>
+        </p:grpSp>
+        <p:pic>
+          <p:nvPicPr>
+            <p:cNvPr id="58" name="Picture 16" descr="bag"/>
+            <p:cNvPicPr>
+              <a:picLocks noChangeAspect="1" noChangeArrowheads="1"/>
+            </p:cNvPicPr>
+            <p:nvPr/>
+          </p:nvPicPr>
+          <p:blipFill>
+            <a:blip r:embed="rId3">
+              <a:clrChange>
+                <a:clrFrom>
+                  <a:srgbClr val="FFFFFF"/>
+                </a:clrFrom>
+                <a:clrTo>
+                  <a:srgbClr val="FFFFFF">
+                    <a:alpha val="0"/>
+                  </a:srgbClr>
+                </a:clrTo>
+              </a:clrChange>
+            </a:blip>
+            <a:stretch>
+              <a:fillRect/>
+            </a:stretch>
+          </p:blipFill>
+          <p:spPr bwMode="auto">
+            <a:xfrm>
+              <a:off x="4982879" y="3377518"/>
+              <a:ext cx="332569" cy="329489"/>
+            </a:xfrm>
+            <a:prstGeom prst="rect">
+              <a:avLst/>
+            </a:prstGeom>
+            <a:noFill/>
+            <a:ln w="9525">
+              <a:noFill/>
+              <a:miter lim="800000"/>
+              <a:headEnd/>
+              <a:tailEnd/>
+            </a:ln>
+          </p:spPr>
+        </p:pic>
+      </p:grpSp>
+      <p:grpSp>
+        <p:nvGrpSpPr>
+          <p:cNvPr id="60" name="Group 59"/>
+          <p:cNvGrpSpPr/>
+          <p:nvPr/>
+        </p:nvGrpSpPr>
+        <p:grpSpPr>
+          <a:xfrm>
+            <a:off x="6957331" y="3390158"/>
+            <a:ext cx="1715161" cy="1868180"/>
+            <a:chOff x="3986041" y="3337675"/>
+            <a:chExt cx="1715161" cy="1868180"/>
+          </a:xfrm>
+        </p:grpSpPr>
+        <p:grpSp>
+          <p:nvGrpSpPr>
+            <p:cNvPr id="61" name="Group 60"/>
+            <p:cNvGrpSpPr/>
+            <p:nvPr/>
+          </p:nvGrpSpPr>
+          <p:grpSpPr>
+            <a:xfrm>
+              <a:off x="3986041" y="3337675"/>
+              <a:ext cx="1715161" cy="1868180"/>
+              <a:chOff x="699925" y="3467484"/>
+              <a:chExt cx="1715161" cy="1868180"/>
+            </a:xfrm>
+          </p:grpSpPr>
+          <p:grpSp>
+            <p:nvGrpSpPr>
+              <p:cNvPr id="63" name="Group 62"/>
+              <p:cNvGrpSpPr/>
+              <p:nvPr/>
+            </p:nvGrpSpPr>
+            <p:grpSpPr>
+              <a:xfrm>
+                <a:off x="699925" y="3497504"/>
+                <a:ext cx="1685756" cy="1838160"/>
+                <a:chOff x="5517284" y="4053578"/>
+                <a:chExt cx="2468117" cy="2691247"/>
+              </a:xfrm>
+            </p:grpSpPr>
+            <p:graphicFrame>
+              <p:nvGraphicFramePr>
+                <p:cNvPr id="65" name="Content Placeholder 4"/>
+                <p:cNvGraphicFramePr>
+                  <a:graphicFrameLocks/>
+                </p:cNvGraphicFramePr>
+                <p:nvPr>
+                  <p:extLst>
+                    <p:ext uri="{D42A27DB-BD31-4B8C-83A1-F6EECF244321}">
+                      <p14:modId xmlns:p14="http://schemas.microsoft.com/office/powerpoint/2010/main" val="2337612914"/>
+                    </p:ext>
+                  </p:extLst>
+                </p:nvPr>
+              </p:nvGraphicFramePr>
+              <p:xfrm>
+                <a:off x="5517284" y="4648201"/>
+                <a:ext cx="2468117" cy="2096624"/>
+              </p:xfrm>
+              <a:graphic>
+                <a:graphicData uri="http://schemas.openxmlformats.org/drawingml/2006/table">
+                  <a:tbl>
+                    <a:tblPr firstRow="1" firstCol="1">
+                      <a:tableStyleId>{5FD0F851-EC5A-4D38-B0AD-8093EC10F338}</a:tableStyleId>
+                    </a:tblPr>
+                    <a:tblGrid>
+                      <a:gridCol w="529065"/>
+                      <a:gridCol w="429627"/>
+                      <a:gridCol w="363532"/>
+                      <a:gridCol w="363532"/>
+                    </a:tblGrid>
+                    <a:tr h="489806">
+                      <a:tc>
+                        <a:txBody>
+                          <a:bodyPr/>
+                          <a:lstStyle/>
+                          <a:p>
+                            <a:pPr algn="ctr"/>
+                            <a:r>
+                              <a:rPr lang="en-US" sz="1200" b="0" strike="noStrike" cap="none" dirty="0" smtClean="0">
+                                <a:solidFill>
+                                  <a:schemeClr val="tx1"/>
+                                </a:solidFill>
+                                <a:latin typeface="News Gothic MT"/>
+                                <a:cs typeface="News Gothic MT"/>
+                              </a:rPr>
+                              <a:t>look</a:t>
+                            </a:r>
+                            <a:endParaRPr lang="en-US" sz="1200" b="0" strike="noStrike" cap="none" dirty="0">
+                              <a:solidFill>
+                                <a:schemeClr val="tx1"/>
+                              </a:solidFill>
+                              <a:latin typeface="News Gothic MT"/>
+                              <a:cs typeface="News Gothic MT"/>
+                            </a:endParaRPr>
+                          </a:p>
+                        </a:txBody>
+                        <a:tcPr marL="41052" marR="41052" marT="20526" marB="20526" anchor="ctr" anchorCtr="1">
+                          <a:lnL w="12700" cap="flat" cmpd="sng" algn="ctr">
+                            <a:noFill/>
+                            <a:prstDash val="solid"/>
+                            <a:round/>
+                            <a:headEnd type="none" w="med" len="med"/>
+                            <a:tailEnd type="none" w="med" len="med"/>
+                          </a:lnL>
+                          <a:lnR w="12700" cap="flat" cmpd="sng" algn="ctr">
+                            <a:noFill/>
+                            <a:prstDash val="solid"/>
+                            <a:round/>
+                            <a:headEnd type="none" w="med" len="med"/>
+                            <a:tailEnd type="none" w="med" len="med"/>
+                          </a:lnR>
+                          <a:lnT w="12700" cap="flat" cmpd="sng" algn="ctr">
+                            <a:noFill/>
+                            <a:prstDash val="solid"/>
+                            <a:round/>
+                            <a:headEnd type="none" w="med" len="med"/>
+                            <a:tailEnd type="none" w="med" len="med"/>
+                          </a:lnT>
+                          <a:lnB w="12700" cap="flat" cmpd="sng" algn="ctr">
+                            <a:noFill/>
+                            <a:prstDash val="solid"/>
+                            <a:round/>
+                            <a:headEnd type="none" w="med" len="med"/>
+                            <a:tailEnd type="none" w="med" len="med"/>
+                          </a:lnB>
+                          <a:lnTlToBr w="12700" cmpd="sng">
+                            <a:noFill/>
+                            <a:prstDash val="solid"/>
+                          </a:lnTlToBr>
+                          <a:lnBlToTr w="12700" cmpd="sng">
+                            <a:noFill/>
+                            <a:prstDash val="solid"/>
+                          </a:lnBlToTr>
+                        </a:tcPr>
+                      </a:tc>
+                      <a:tc>
+                        <a:txBody>
+                          <a:bodyPr/>
+                          <a:lstStyle/>
+                          <a:p>
+                            <a:pPr algn="ctr" fontAlgn="t"/>
+                            <a:endParaRPr lang="en-US" sz="1200" b="0" i="0" u="none" strike="noStrike" cap="none" dirty="0">
+                              <a:solidFill>
+                                <a:schemeClr val="tx1"/>
+                              </a:solidFill>
+                              <a:latin typeface="News Gothic MT"/>
+                              <a:cs typeface="News Gothic MT"/>
+                            </a:endParaRPr>
+                          </a:p>
+                        </a:txBody>
+                        <a:tcPr marL="4276" marR="4276" marT="4276" marB="0" anchor="ctr" anchorCtr="1">
+                          <a:lnL w="12700" cap="flat" cmpd="sng" algn="ctr">
+                            <a:noFill/>
+                            <a:prstDash val="solid"/>
+                            <a:round/>
+                            <a:headEnd type="none" w="med" len="med"/>
+                            <a:tailEnd type="none" w="med" len="med"/>
+                          </a:lnL>
+                          <a:lnR w="12700" cap="flat" cmpd="sng" algn="ctr">
+                            <a:solidFill>
+                              <a:scrgbClr r="0" g="0" b="0"/>
+                            </a:solidFill>
+                            <a:prstDash val="solid"/>
+                            <a:round/>
+                            <a:headEnd type="none" w="med" len="med"/>
+                            <a:tailEnd type="none" w="med" len="med"/>
+                          </a:lnR>
+                          <a:lnT w="12700" cap="flat" cmpd="sng" algn="ctr">
+                            <a:noFill/>
+                            <a:prstDash val="solid"/>
+                            <a:round/>
+                            <a:headEnd type="none" w="med" len="med"/>
+                            <a:tailEnd type="none" w="med" len="med"/>
+                          </a:lnT>
+                          <a:lnB w="12700" cap="flat" cmpd="sng" algn="ctr">
+                            <a:solidFill>
+                              <a:scrgbClr r="0" g="0" b="0"/>
+                            </a:solidFill>
+                            <a:prstDash val="solid"/>
+                            <a:round/>
+                            <a:headEnd type="none" w="med" len="med"/>
+                            <a:tailEnd type="none" w="med" len="med"/>
+                          </a:lnB>
+                          <a:lnTlToBr w="12700" cmpd="sng">
+                            <a:noFill/>
+                            <a:prstDash val="solid"/>
+                          </a:lnTlToBr>
+                          <a:lnBlToTr w="12700" cmpd="sng">
+                            <a:noFill/>
+                            <a:prstDash val="solid"/>
+                          </a:lnBlToTr>
+                        </a:tcPr>
+                      </a:tc>
+                      <a:tc>
+                        <a:txBody>
+                          <a:bodyPr/>
+                          <a:lstStyle/>
+                          <a:p>
+                            <a:pPr algn="ctr" fontAlgn="t"/>
+                            <a:endParaRPr lang="en-US" sz="1200" b="0" i="0" u="none" strike="noStrike" cap="none" dirty="0">
+                              <a:solidFill>
+                                <a:schemeClr val="tx1"/>
+                              </a:solidFill>
+                              <a:latin typeface="News Gothic MT"/>
+                              <a:cs typeface="News Gothic MT"/>
+                            </a:endParaRPr>
+                          </a:p>
+                        </a:txBody>
+                        <a:tcPr marL="4276" marR="4276" marT="4276" marB="0" anchor="ctr" anchorCtr="1">
+                          <a:lnL w="12700" cap="flat" cmpd="sng" algn="ctr">
+                            <a:solidFill>
+                              <a:scrgbClr r="0" g="0" b="0"/>
+                            </a:solidFill>
+                            <a:prstDash val="solid"/>
+                            <a:round/>
+                            <a:headEnd type="none" w="med" len="med"/>
+                            <a:tailEnd type="none" w="med" len="med"/>
+                          </a:lnL>
+                          <a:lnR w="12700" cap="flat" cmpd="sng" algn="ctr">
+                            <a:solidFill>
+                              <a:scrgbClr r="0" g="0" b="0"/>
+                            </a:solidFill>
+                            <a:prstDash val="solid"/>
+                            <a:round/>
+                            <a:headEnd type="none" w="med" len="med"/>
+                            <a:tailEnd type="none" w="med" len="med"/>
+                          </a:lnR>
+                          <a:lnT w="12700" cap="flat" cmpd="sng" algn="ctr">
+                            <a:noFill/>
+                            <a:prstDash val="solid"/>
+                            <a:round/>
+                            <a:headEnd type="none" w="med" len="med"/>
+                            <a:tailEnd type="none" w="med" len="med"/>
+                          </a:lnT>
+                          <a:lnB w="12700" cap="flat" cmpd="sng" algn="ctr">
+                            <a:solidFill>
+                              <a:scrgbClr r="0" g="0" b="0"/>
+                            </a:solidFill>
+                            <a:prstDash val="solid"/>
+                            <a:round/>
+                            <a:headEnd type="none" w="med" len="med"/>
+                            <a:tailEnd type="none" w="med" len="med"/>
+                          </a:lnB>
+                          <a:lnTlToBr w="12700" cmpd="sng">
+                            <a:noFill/>
+                            <a:prstDash val="solid"/>
+                          </a:lnTlToBr>
+                          <a:lnBlToTr w="12700" cmpd="sng">
+                            <a:noFill/>
+                            <a:prstDash val="solid"/>
+                          </a:lnBlToTr>
+                        </a:tcPr>
+                      </a:tc>
+                      <a:tc>
+                        <a:txBody>
+                          <a:bodyPr/>
+                          <a:lstStyle/>
+                          <a:p>
+                            <a:pPr algn="ctr" fontAlgn="t"/>
+                            <a:endParaRPr lang="en-US" sz="1200" b="0" i="0" u="none" strike="noStrike" cap="none" dirty="0">
+                              <a:solidFill>
+                                <a:schemeClr val="tx1"/>
+                              </a:solidFill>
+                              <a:latin typeface="News Gothic MT"/>
+                              <a:cs typeface="News Gothic MT"/>
+                            </a:endParaRPr>
+                          </a:p>
+                        </a:txBody>
+                        <a:tcPr marL="4276" marR="4276" marT="4276" marB="0" anchor="ctr" anchorCtr="1">
+                          <a:lnL w="12700" cap="flat" cmpd="sng" algn="ctr">
+                            <a:solidFill>
+                              <a:scrgbClr r="0" g="0" b="0"/>
+                            </a:solidFill>
+                            <a:prstDash val="solid"/>
+                            <a:round/>
+                            <a:headEnd type="none" w="med" len="med"/>
+                            <a:tailEnd type="none" w="med" len="med"/>
+                          </a:lnL>
+                          <a:lnR w="12700" cap="flat" cmpd="sng" algn="ctr">
+                            <a:noFill/>
+                            <a:prstDash val="solid"/>
+                            <a:round/>
+                            <a:headEnd type="none" w="med" len="med"/>
+                            <a:tailEnd type="none" w="med" len="med"/>
+                          </a:lnR>
+                          <a:lnT w="12700" cap="flat" cmpd="sng" algn="ctr">
+                            <a:noFill/>
+                            <a:prstDash val="solid"/>
+                            <a:round/>
+                            <a:headEnd type="none" w="med" len="med"/>
+                            <a:tailEnd type="none" w="med" len="med"/>
+                          </a:lnT>
+                          <a:lnB w="12700" cap="flat" cmpd="sng" algn="ctr">
+                            <a:solidFill>
+                              <a:scrgbClr r="0" g="0" b="0"/>
+                            </a:solidFill>
+                            <a:prstDash val="solid"/>
+                            <a:round/>
+                            <a:headEnd type="none" w="med" len="med"/>
+                            <a:tailEnd type="none" w="med" len="med"/>
+                          </a:lnB>
+                          <a:lnTlToBr w="12700" cmpd="sng">
+                            <a:noFill/>
+                            <a:prstDash val="solid"/>
+                          </a:lnTlToBr>
+                          <a:lnBlToTr w="12700" cmpd="sng">
+                            <a:noFill/>
+                            <a:prstDash val="solid"/>
+                          </a:lnBlToTr>
+                        </a:tcPr>
+                      </a:tc>
+                    </a:tr>
+                    <a:tr h="471109">
+                      <a:tc>
+                        <a:txBody>
+                          <a:bodyPr/>
+                          <a:lstStyle/>
+                          <a:p>
+                            <a:pPr algn="ctr"/>
+                            <a:r>
+                              <a:rPr lang="en-US" sz="1200" b="0" strike="noStrike" cap="none" dirty="0" smtClean="0">
+                                <a:solidFill>
+                                  <a:schemeClr val="tx1"/>
+                                </a:solidFill>
+                                <a:latin typeface="News Gothic MT"/>
+                                <a:cs typeface="News Gothic MT"/>
+                              </a:rPr>
+                              <a:t>pig</a:t>
+                            </a:r>
+                            <a:endParaRPr lang="en-US" sz="1200" b="0" strike="noStrike" cap="none" dirty="0">
+                              <a:solidFill>
+                                <a:schemeClr val="tx1"/>
+                              </a:solidFill>
+                              <a:latin typeface="News Gothic MT"/>
+                              <a:cs typeface="News Gothic MT"/>
+                            </a:endParaRPr>
+                          </a:p>
+                        </a:txBody>
+                        <a:tcPr marL="41052" marR="41052" marT="20526" marB="20526" anchor="ctr" anchorCtr="1">
+                          <a:lnL w="12700" cap="flat" cmpd="sng" algn="ctr">
+                            <a:noFill/>
+                            <a:prstDash val="solid"/>
+                            <a:round/>
+                            <a:headEnd type="none" w="med" len="med"/>
+                            <a:tailEnd type="none" w="med" len="med"/>
+                          </a:lnL>
+                          <a:lnR w="12700" cap="flat" cmpd="sng" algn="ctr">
+                            <a:noFill/>
+                            <a:prstDash val="solid"/>
+                            <a:round/>
+                            <a:headEnd type="none" w="med" len="med"/>
+                            <a:tailEnd type="none" w="med" len="med"/>
+                          </a:lnR>
+                          <a:lnT w="12700" cap="flat" cmpd="sng" algn="ctr">
+                            <a:noFill/>
+                            <a:prstDash val="solid"/>
+                            <a:round/>
+                            <a:headEnd type="none" w="med" len="med"/>
+                            <a:tailEnd type="none" w="med" len="med"/>
+                          </a:lnT>
+                          <a:lnB w="12700" cap="flat" cmpd="sng" algn="ctr">
+                            <a:noFill/>
+                            <a:prstDash val="solid"/>
+                            <a:round/>
+                            <a:headEnd type="none" w="med" len="med"/>
+                            <a:tailEnd type="none" w="med" len="med"/>
+                          </a:lnB>
+                          <a:lnTlToBr w="12700" cmpd="sng">
+                            <a:noFill/>
+                            <a:prstDash val="solid"/>
+                          </a:lnTlToBr>
+                          <a:lnBlToTr w="12700" cmpd="sng">
+                            <a:noFill/>
+                            <a:prstDash val="solid"/>
+                          </a:lnBlToTr>
+                        </a:tcPr>
+                      </a:tc>
+                      <a:tc>
+                        <a:txBody>
+                          <a:bodyPr/>
+                          <a:lstStyle/>
+                          <a:p>
+                            <a:pPr algn="ctr" rtl="0" fontAlgn="t"/>
+                            <a:endParaRPr lang="en-US" sz="1200" b="1" i="0" u="none" strike="noStrike" cap="none" dirty="0">
+                              <a:solidFill>
+                                <a:schemeClr val="tx1"/>
+                              </a:solidFill>
+                              <a:latin typeface="News Gothic MT"/>
+                              <a:cs typeface="News Gothic MT"/>
+                            </a:endParaRPr>
+                          </a:p>
+                        </a:txBody>
+                        <a:tcPr marL="4276" marR="4276" marT="4276" marB="0" anchor="ctr" anchorCtr="1">
+                          <a:lnL w="12700" cap="flat" cmpd="sng" algn="ctr">
+                            <a:noFill/>
+                            <a:prstDash val="solid"/>
+                            <a:round/>
+                            <a:headEnd type="none" w="med" len="med"/>
+                            <a:tailEnd type="none" w="med" len="med"/>
+                          </a:lnL>
+                          <a:lnR w="12700" cap="flat" cmpd="sng" algn="ctr">
+                            <a:solidFill>
+                              <a:scrgbClr r="0" g="0" b="0"/>
+                            </a:solidFill>
+                            <a:prstDash val="solid"/>
+                            <a:round/>
+                            <a:headEnd type="none" w="med" len="med"/>
+                            <a:tailEnd type="none" w="med" len="med"/>
+                          </a:lnR>
+                          <a:lnT w="12700" cap="flat" cmpd="sng" algn="ctr">
+                            <a:solidFill>
+                              <a:scrgbClr r="0" g="0" b="0"/>
+                            </a:solidFill>
+                            <a:prstDash val="solid"/>
+                            <a:round/>
+                            <a:headEnd type="none" w="med" len="med"/>
+                            <a:tailEnd type="none" w="med" len="med"/>
+                          </a:lnT>
+                          <a:lnB w="12700" cap="flat" cmpd="sng" algn="ctr">
+                            <a:solidFill>
+                              <a:scrgbClr r="0" g="0" b="0"/>
+                            </a:solidFill>
+                            <a:prstDash val="solid"/>
+                            <a:round/>
+                            <a:headEnd type="none" w="med" len="med"/>
+                            <a:tailEnd type="none" w="med" len="med"/>
+                          </a:lnB>
+                        </a:tcPr>
+                      </a:tc>
+                      <a:tc>
+                        <a:txBody>
+                          <a:bodyPr/>
+                          <a:lstStyle/>
+                          <a:p>
+                            <a:pPr algn="ctr" rtl="0" fontAlgn="t"/>
+                            <a:r>
+                              <a:rPr lang="en-US" sz="1200" b="1" i="0" u="none" strike="noStrike" cap="none" dirty="0" smtClean="0">
+                                <a:solidFill>
+                                  <a:schemeClr val="tx1"/>
+                                </a:solidFill>
+                                <a:latin typeface="News Gothic MT"/>
+                                <a:cs typeface="News Gothic MT"/>
+                              </a:rPr>
+                              <a:t>X</a:t>
+                            </a:r>
+                            <a:endParaRPr lang="en-US" sz="1200" b="1" i="0" u="none" strike="noStrike" cap="none" dirty="0">
+                              <a:solidFill>
+                                <a:schemeClr val="tx1"/>
+                              </a:solidFill>
+                              <a:latin typeface="News Gothic MT"/>
+                              <a:cs typeface="News Gothic MT"/>
+                            </a:endParaRPr>
+                          </a:p>
+                        </a:txBody>
+                        <a:tcPr marL="4276" marR="4276" marT="4276" marB="0" anchor="ctr" anchorCtr="1">
+                          <a:lnL w="12700" cap="flat" cmpd="sng" algn="ctr">
+                            <a:solidFill>
+                              <a:scrgbClr r="0" g="0" b="0"/>
+                            </a:solidFill>
+                            <a:prstDash val="solid"/>
+                            <a:round/>
+                            <a:headEnd type="none" w="med" len="med"/>
+                            <a:tailEnd type="none" w="med" len="med"/>
+                          </a:lnL>
+                          <a:lnR w="12700" cap="flat" cmpd="sng" algn="ctr">
+                            <a:solidFill>
+                              <a:scrgbClr r="0" g="0" b="0"/>
+                            </a:solidFill>
+                            <a:prstDash val="solid"/>
+                            <a:round/>
+                            <a:headEnd type="none" w="med" len="med"/>
+                            <a:tailEnd type="none" w="med" len="med"/>
+                          </a:lnR>
+                          <a:lnT w="12700" cap="flat" cmpd="sng" algn="ctr">
+                            <a:solidFill>
+                              <a:scrgbClr r="0" g="0" b="0"/>
+                            </a:solidFill>
+                            <a:prstDash val="solid"/>
+                            <a:round/>
+                            <a:headEnd type="none" w="med" len="med"/>
+                            <a:tailEnd type="none" w="med" len="med"/>
+                          </a:lnT>
+                          <a:lnB w="12700" cap="flat" cmpd="sng" algn="ctr">
+                            <a:solidFill>
+                              <a:scrgbClr r="0" g="0" b="0"/>
+                            </a:solidFill>
+                            <a:prstDash val="solid"/>
+                            <a:round/>
+                            <a:headEnd type="none" w="med" len="med"/>
+                            <a:tailEnd type="none" w="med" len="med"/>
+                          </a:lnB>
+                        </a:tcPr>
+                      </a:tc>
+                      <a:tc>
+                        <a:txBody>
+                          <a:bodyPr/>
+                          <a:lstStyle/>
+                          <a:p>
+                            <a:pPr algn="ctr" rtl="0" fontAlgn="t"/>
+                            <a:endParaRPr lang="en-US" sz="1200" b="0" i="0" u="none" strike="noStrike" cap="none" dirty="0">
+                              <a:solidFill>
+                                <a:schemeClr val="tx1"/>
+                              </a:solidFill>
+                              <a:latin typeface="News Gothic MT"/>
+                              <a:cs typeface="News Gothic MT"/>
+                            </a:endParaRPr>
+                          </a:p>
+                        </a:txBody>
+                        <a:tcPr marL="4276" marR="4276" marT="4276" marB="0" anchor="ctr" anchorCtr="1">
+                          <a:lnL w="12700" cap="flat" cmpd="sng" algn="ctr">
+                            <a:solidFill>
+                              <a:scrgbClr r="0" g="0" b="0"/>
+                            </a:solidFill>
+                            <a:prstDash val="solid"/>
+                            <a:round/>
+                            <a:headEnd type="none" w="med" len="med"/>
+                            <a:tailEnd type="none" w="med" len="med"/>
+                          </a:lnL>
+                          <a:lnR w="12700" cap="flat" cmpd="sng" algn="ctr">
+                            <a:noFill/>
+                            <a:prstDash val="solid"/>
+                            <a:round/>
+                            <a:headEnd type="none" w="med" len="med"/>
+                            <a:tailEnd type="none" w="med" len="med"/>
+                          </a:lnR>
+                          <a:lnT w="12700" cap="flat" cmpd="sng" algn="ctr">
+                            <a:solidFill>
+                              <a:scrgbClr r="0" g="0" b="0"/>
+                            </a:solidFill>
+                            <a:prstDash val="solid"/>
+                            <a:round/>
+                            <a:headEnd type="none" w="med" len="med"/>
+                            <a:tailEnd type="none" w="med" len="med"/>
+                          </a:lnT>
+                          <a:lnB w="12700" cap="flat" cmpd="sng" algn="ctr">
+                            <a:solidFill>
+                              <a:scrgbClr r="0" g="0" b="0"/>
+                            </a:solidFill>
+                            <a:prstDash val="solid"/>
+                            <a:round/>
+                            <a:headEnd type="none" w="med" len="med"/>
+                            <a:tailEnd type="none" w="med" len="med"/>
+                          </a:lnB>
+                        </a:tcPr>
+                      </a:tc>
+                    </a:tr>
+                    <a:tr h="471109">
+                      <a:tc>
+                        <a:txBody>
+                          <a:bodyPr/>
+                          <a:lstStyle/>
+                          <a:p>
+                            <a:pPr algn="ctr"/>
+                            <a:r>
+                              <a:rPr lang="en-US" sz="1200" b="0" strike="noStrike" cap="none" dirty="0" smtClean="0">
+                                <a:solidFill>
+                                  <a:schemeClr val="tx1"/>
+                                </a:solidFill>
+                                <a:latin typeface="Webdings"/>
+                                <a:ea typeface="Webdings"/>
+                                <a:cs typeface="Webdings"/>
+                                <a:sym typeface="Webdings"/>
+                              </a:rPr>
+                              <a:t></a:t>
+                            </a:r>
+                            <a:endParaRPr lang="en-US" sz="1200" b="0" strike="noStrike" cap="none" dirty="0">
+                              <a:solidFill>
+                                <a:schemeClr val="tx1"/>
+                              </a:solidFill>
+                              <a:latin typeface="News Gothic MT"/>
+                              <a:cs typeface="News Gothic MT"/>
+                            </a:endParaRPr>
+                          </a:p>
+                        </a:txBody>
+                        <a:tcPr marL="41052" marR="41052" marT="20526" marB="20526" anchor="ctr" anchorCtr="1">
+                          <a:lnL w="12700" cap="flat" cmpd="sng" algn="ctr">
+                            <a:noFill/>
+                            <a:prstDash val="solid"/>
+                            <a:round/>
+                            <a:headEnd type="none" w="med" len="med"/>
+                            <a:tailEnd type="none" w="med" len="med"/>
+                          </a:lnL>
+                          <a:lnR w="12700" cap="flat" cmpd="sng" algn="ctr">
+                            <a:noFill/>
+                            <a:prstDash val="solid"/>
+                            <a:round/>
+                            <a:headEnd type="none" w="med" len="med"/>
+                            <a:tailEnd type="none" w="med" len="med"/>
+                          </a:lnR>
+                          <a:lnT w="12700" cap="flat" cmpd="sng" algn="ctr">
+                            <a:noFill/>
+                            <a:prstDash val="solid"/>
+                            <a:round/>
+                            <a:headEnd type="none" w="med" len="med"/>
+                            <a:tailEnd type="none" w="med" len="med"/>
+                          </a:lnT>
+                          <a:lnB w="12700" cap="flat" cmpd="sng" algn="ctr">
+                            <a:noFill/>
+                            <a:prstDash val="solid"/>
+                            <a:round/>
+                            <a:headEnd type="none" w="med" len="med"/>
+                            <a:tailEnd type="none" w="med" len="med"/>
+                          </a:lnB>
+                          <a:lnTlToBr w="12700" cmpd="sng">
+                            <a:noFill/>
+                            <a:prstDash val="solid"/>
+                          </a:lnTlToBr>
+                          <a:lnBlToTr w="12700" cmpd="sng">
+                            <a:noFill/>
+                            <a:prstDash val="solid"/>
+                          </a:lnBlToTr>
+                        </a:tcPr>
+                      </a:tc>
+                      <a:tc>
+                        <a:txBody>
+                          <a:bodyPr/>
+                          <a:lstStyle/>
+                          <a:p>
+                            <a:pPr algn="ctr" rtl="0" fontAlgn="t"/>
+                            <a:endParaRPr lang="en-US" sz="1200" b="0" i="0" u="none" strike="noStrike" cap="none" dirty="0">
+                              <a:solidFill>
+                                <a:schemeClr val="tx1"/>
+                              </a:solidFill>
+                              <a:latin typeface="News Gothic MT"/>
+                              <a:cs typeface="News Gothic MT"/>
+                            </a:endParaRPr>
+                          </a:p>
+                        </a:txBody>
+                        <a:tcPr marL="4276" marR="4276" marT="4276" marB="0" anchor="ctr" anchorCtr="1">
+                          <a:lnL w="12700" cap="flat" cmpd="sng" algn="ctr">
+                            <a:noFill/>
+                            <a:prstDash val="solid"/>
+                            <a:round/>
+                            <a:headEnd type="none" w="med" len="med"/>
+                            <a:tailEnd type="none" w="med" len="med"/>
+                          </a:lnL>
+                          <a:lnR w="12700" cap="flat" cmpd="sng" algn="ctr">
+                            <a:solidFill>
+                              <a:scrgbClr r="0" g="0" b="0"/>
+                            </a:solidFill>
+                            <a:prstDash val="solid"/>
+                            <a:round/>
+                            <a:headEnd type="none" w="med" len="med"/>
+                            <a:tailEnd type="none" w="med" len="med"/>
+                          </a:lnR>
+                          <a:lnT w="12700" cap="flat" cmpd="sng" algn="ctr">
+                            <a:solidFill>
+                              <a:scrgbClr r="0" g="0" b="0"/>
+                            </a:solidFill>
+                            <a:prstDash val="solid"/>
+                            <a:round/>
+                            <a:headEnd type="none" w="med" len="med"/>
+                            <a:tailEnd type="none" w="med" len="med"/>
+                          </a:lnT>
+                          <a:lnB w="12700" cap="flat" cmpd="sng" algn="ctr">
+                            <a:noFill/>
+                            <a:prstDash val="solid"/>
+                            <a:round/>
+                            <a:headEnd type="none" w="med" len="med"/>
+                            <a:tailEnd type="none" w="med" len="med"/>
+                          </a:lnB>
+                        </a:tcPr>
+                      </a:tc>
+                      <a:tc>
+                        <a:txBody>
+                          <a:bodyPr/>
+                          <a:lstStyle/>
+                          <a:p>
+                            <a:pPr algn="ctr" rtl="0" fontAlgn="t"/>
+                            <a:endParaRPr lang="en-US" sz="1200" b="0" i="0" u="none" strike="noStrike" cap="none" dirty="0">
+                              <a:solidFill>
+                                <a:schemeClr val="tx1"/>
+                              </a:solidFill>
+                              <a:latin typeface="News Gothic MT"/>
+                              <a:cs typeface="News Gothic MT"/>
+                            </a:endParaRPr>
+                          </a:p>
+                        </a:txBody>
+                        <a:tcPr marL="4276" marR="4276" marT="4276" marB="0" anchor="ctr" anchorCtr="1">
+                          <a:lnL w="12700" cap="flat" cmpd="sng" algn="ctr">
+                            <a:solidFill>
+                              <a:scrgbClr r="0" g="0" b="0"/>
+                            </a:solidFill>
+                            <a:prstDash val="solid"/>
+                            <a:round/>
+                            <a:headEnd type="none" w="med" len="med"/>
+                            <a:tailEnd type="none" w="med" len="med"/>
+                          </a:lnL>
+                          <a:lnR w="12700" cap="flat" cmpd="sng" algn="ctr">
+                            <a:solidFill>
+                              <a:scrgbClr r="0" g="0" b="0"/>
+                            </a:solidFill>
+                            <a:prstDash val="solid"/>
+                            <a:round/>
+                            <a:headEnd type="none" w="med" len="med"/>
+                            <a:tailEnd type="none" w="med" len="med"/>
+                          </a:lnR>
+                          <a:lnT w="12700" cap="flat" cmpd="sng" algn="ctr">
+                            <a:solidFill>
+                              <a:scrgbClr r="0" g="0" b="0"/>
+                            </a:solidFill>
+                            <a:prstDash val="solid"/>
+                            <a:round/>
+                            <a:headEnd type="none" w="med" len="med"/>
+                            <a:tailEnd type="none" w="med" len="med"/>
+                          </a:lnT>
+                          <a:lnB w="12700" cap="flat" cmpd="sng" algn="ctr">
+                            <a:noFill/>
+                            <a:prstDash val="solid"/>
+                            <a:round/>
+                            <a:headEnd type="none" w="med" len="med"/>
+                            <a:tailEnd type="none" w="med" len="med"/>
+                          </a:lnB>
+                        </a:tcPr>
+                      </a:tc>
+                      <a:tc>
+                        <a:txBody>
+                          <a:bodyPr/>
+                          <a:lstStyle/>
+                          <a:p>
+                            <a:pPr algn="ctr" rtl="0" fontAlgn="t"/>
+                            <a:endParaRPr lang="en-US" sz="1200" b="0" i="0" u="none" strike="noStrike" cap="none" dirty="0">
+                              <a:solidFill>
+                                <a:schemeClr val="tx1"/>
+                              </a:solidFill>
+                              <a:latin typeface="News Gothic MT"/>
+                              <a:cs typeface="News Gothic MT"/>
+                            </a:endParaRPr>
+                          </a:p>
+                        </a:txBody>
+                        <a:tcPr marL="4276" marR="4276" marT="4276" marB="0" anchor="ctr" anchorCtr="1">
+                          <a:lnL w="12700" cap="flat" cmpd="sng" algn="ctr">
+                            <a:solidFill>
+                              <a:scrgbClr r="0" g="0" b="0"/>
+                            </a:solidFill>
+                            <a:prstDash val="solid"/>
+                            <a:round/>
+                            <a:headEnd type="none" w="med" len="med"/>
+                            <a:tailEnd type="none" w="med" len="med"/>
+                          </a:lnL>
+                          <a:lnR w="12700" cap="flat" cmpd="sng" algn="ctr">
+                            <a:noFill/>
+                            <a:prstDash val="solid"/>
+                            <a:round/>
+                            <a:headEnd type="none" w="med" len="med"/>
+                            <a:tailEnd type="none" w="med" len="med"/>
+                          </a:lnR>
+                          <a:lnT w="12700" cap="flat" cmpd="sng" algn="ctr">
+                            <a:solidFill>
+                              <a:scrgbClr r="0" g="0" b="0"/>
+                            </a:solidFill>
+                            <a:prstDash val="solid"/>
+                            <a:round/>
+                            <a:headEnd type="none" w="med" len="med"/>
+                            <a:tailEnd type="none" w="med" len="med"/>
+                          </a:lnT>
+                          <a:lnB w="12700" cap="flat" cmpd="sng" algn="ctr">
+                            <a:noFill/>
+                            <a:prstDash val="solid"/>
+                            <a:round/>
+                            <a:headEnd type="none" w="med" len="med"/>
+                            <a:tailEnd type="none" w="med" len="med"/>
+                          </a:lnB>
+                        </a:tcPr>
+                      </a:tc>
+                    </a:tr>
+                  </a:tbl>
+                </a:graphicData>
+              </a:graphic>
+            </p:graphicFrame>
+            <p:pic>
+              <p:nvPicPr>
+                <p:cNvPr id="66" name="Picture 65" descr="images.jpeg"/>
+                <p:cNvPicPr>
+                  <a:picLocks noChangeAspect="1"/>
+                </p:cNvPicPr>
+                <p:nvPr/>
+              </p:nvPicPr>
+              <p:blipFill>
+                <a:blip r:embed="rId2">
+                  <a:clrChange>
+                    <a:clrFrom>
+                      <a:srgbClr val="FEFEFE"/>
+                    </a:clrFrom>
+                    <a:clrTo>
+                      <a:srgbClr val="FEFEFE">
+                        <a:alpha val="0"/>
+                      </a:srgbClr>
+                    </a:clrTo>
+                  </a:clrChange>
+                </a:blip>
+                <a:stretch>
+                  <a:fillRect/>
+                </a:stretch>
+              </p:blipFill>
+              <p:spPr>
+                <a:xfrm>
+                  <a:off x="6319333" y="4053578"/>
+                  <a:ext cx="523324" cy="523323"/>
+                </a:xfrm>
+                <a:prstGeom prst="rect">
+                  <a:avLst/>
+                </a:prstGeom>
+              </p:spPr>
+            </p:pic>
+          </p:grpSp>
+          <p:sp>
+            <p:nvSpPr>
+              <p:cNvPr id="64" name="Rectangle 63"/>
+              <p:cNvSpPr/>
+              <p:nvPr/>
+            </p:nvSpPr>
+            <p:spPr>
+              <a:xfrm>
+                <a:off x="1999588" y="3467484"/>
+                <a:ext cx="415498" cy="369332"/>
+              </a:xfrm>
+              <a:prstGeom prst="rect">
+                <a:avLst/>
+              </a:prstGeom>
+            </p:spPr>
+            <p:txBody>
+              <a:bodyPr wrap="none">
+                <a:spAutoFit/>
+              </a:bodyPr>
+              <a:lstStyle/>
+              <a:p>
+                <a:pPr algn="ctr"/>
+                <a:r>
+                  <a:rPr lang="en-US" b="0" strike="noStrike" cap="none" dirty="0" smtClean="0">
+                    <a:solidFill>
+                      <a:schemeClr val="tx1"/>
+                    </a:solidFill>
+                    <a:latin typeface="Webdings"/>
+                    <a:ea typeface="Webdings"/>
+                    <a:cs typeface="Webdings"/>
+                    <a:sym typeface="Webdings"/>
+                  </a:rPr>
+                  <a:t></a:t>
+                </a:r>
+                <a:endParaRPr lang="en-US" b="0" strike="noStrike" cap="none" dirty="0">
+                  <a:solidFill>
+                    <a:schemeClr val="tx1"/>
+                  </a:solidFill>
+                  <a:latin typeface="News Gothic MT"/>
+                  <a:cs typeface="News Gothic MT"/>
+                </a:endParaRPr>
+              </a:p>
+            </p:txBody>
+          </p:sp>
+        </p:grpSp>
+        <p:pic>
+          <p:nvPicPr>
+            <p:cNvPr id="62" name="Picture 16" descr="bag"/>
+            <p:cNvPicPr>
+              <a:picLocks noChangeAspect="1" noChangeArrowheads="1"/>
+            </p:cNvPicPr>
+            <p:nvPr/>
+          </p:nvPicPr>
+          <p:blipFill>
+            <a:blip r:embed="rId3">
+              <a:clrChange>
+                <a:clrFrom>
+                  <a:srgbClr val="FFFFFF"/>
+                </a:clrFrom>
+                <a:clrTo>
+                  <a:srgbClr val="FFFFFF">
+                    <a:alpha val="0"/>
+                  </a:srgbClr>
+                </a:clrTo>
+              </a:clrChange>
+            </a:blip>
+            <a:stretch>
+              <a:fillRect/>
+            </a:stretch>
+          </p:blipFill>
+          <p:spPr bwMode="auto">
+            <a:xfrm>
+              <a:off x="4982879" y="3377518"/>
+              <a:ext cx="332569" cy="329489"/>
             </a:xfrm>
             <a:prstGeom prst="rect">
               <a:avLst/>
